--- a/algorithm/electricity/03_denki-koujishi/01_kakomon/R1_1/02_jitsugi/q02/a02.pptx
+++ b/algorithm/electricity/03_denki-koujishi/01_kakomon/R1_1/02_jitsugi/q02/a02.pptx
@@ -10,6 +10,7 @@
     <p:sldId id="309" r:id="rId4"/>
     <p:sldId id="310" r:id="rId5"/>
     <p:sldId id="311" r:id="rId6"/>
+    <p:sldId id="312" r:id="rId7"/>
   </p:sldIdLst>
   <p:sldSz cx="12192000" cy="6858000"/>
   <p:notesSz cx="6858000" cy="9144000"/>
@@ -263,7 +264,7 @@
           <a:p>
             <a:fld id="{EA6D781E-2D27-4EF7-AFED-D0940E0D7738}" type="datetimeFigureOut">
               <a:rPr kumimoji="1" lang="ja-JP" altLang="en-US" smtClean="0"/>
-              <a:t>2020/10/5</a:t>
+              <a:t>2020/11/23</a:t>
             </a:fld>
             <a:endParaRPr kumimoji="1" lang="ja-JP" altLang="en-US"/>
           </a:p>
@@ -493,7 +494,7 @@
           <a:p>
             <a:fld id="{EA6D781E-2D27-4EF7-AFED-D0940E0D7738}" type="datetimeFigureOut">
               <a:rPr kumimoji="1" lang="ja-JP" altLang="en-US" smtClean="0"/>
-              <a:t>2020/10/5</a:t>
+              <a:t>2020/11/23</a:t>
             </a:fld>
             <a:endParaRPr kumimoji="1" lang="ja-JP" altLang="en-US"/>
           </a:p>
@@ -733,7 +734,7 @@
           <a:p>
             <a:fld id="{EA6D781E-2D27-4EF7-AFED-D0940E0D7738}" type="datetimeFigureOut">
               <a:rPr kumimoji="1" lang="ja-JP" altLang="en-US" smtClean="0"/>
-              <a:t>2020/10/5</a:t>
+              <a:t>2020/11/23</a:t>
             </a:fld>
             <a:endParaRPr kumimoji="1" lang="ja-JP" altLang="en-US"/>
           </a:p>
@@ -963,7 +964,7 @@
           <a:p>
             <a:fld id="{EA6D781E-2D27-4EF7-AFED-D0940E0D7738}" type="datetimeFigureOut">
               <a:rPr kumimoji="1" lang="ja-JP" altLang="en-US" smtClean="0"/>
-              <a:t>2020/10/5</a:t>
+              <a:t>2020/11/23</a:t>
             </a:fld>
             <a:endParaRPr kumimoji="1" lang="ja-JP" altLang="en-US"/>
           </a:p>
@@ -1238,7 +1239,7 @@
           <a:p>
             <a:fld id="{EA6D781E-2D27-4EF7-AFED-D0940E0D7738}" type="datetimeFigureOut">
               <a:rPr kumimoji="1" lang="ja-JP" altLang="en-US" smtClean="0"/>
-              <a:t>2020/10/5</a:t>
+              <a:t>2020/11/23</a:t>
             </a:fld>
             <a:endParaRPr kumimoji="1" lang="ja-JP" altLang="en-US"/>
           </a:p>
@@ -1567,7 +1568,7 @@
           <a:p>
             <a:fld id="{EA6D781E-2D27-4EF7-AFED-D0940E0D7738}" type="datetimeFigureOut">
               <a:rPr kumimoji="1" lang="ja-JP" altLang="en-US" smtClean="0"/>
-              <a:t>2020/10/5</a:t>
+              <a:t>2020/11/23</a:t>
             </a:fld>
             <a:endParaRPr kumimoji="1" lang="ja-JP" altLang="en-US"/>
           </a:p>
@@ -2043,7 +2044,7 @@
           <a:p>
             <a:fld id="{EA6D781E-2D27-4EF7-AFED-D0940E0D7738}" type="datetimeFigureOut">
               <a:rPr kumimoji="1" lang="ja-JP" altLang="en-US" smtClean="0"/>
-              <a:t>2020/10/5</a:t>
+              <a:t>2020/11/23</a:t>
             </a:fld>
             <a:endParaRPr kumimoji="1" lang="ja-JP" altLang="en-US"/>
           </a:p>
@@ -2184,7 +2185,7 @@
           <a:p>
             <a:fld id="{EA6D781E-2D27-4EF7-AFED-D0940E0D7738}" type="datetimeFigureOut">
               <a:rPr kumimoji="1" lang="ja-JP" altLang="en-US" smtClean="0"/>
-              <a:t>2020/10/5</a:t>
+              <a:t>2020/11/23</a:t>
             </a:fld>
             <a:endParaRPr kumimoji="1" lang="ja-JP" altLang="en-US"/>
           </a:p>
@@ -2297,7 +2298,7 @@
           <a:p>
             <a:fld id="{EA6D781E-2D27-4EF7-AFED-D0940E0D7738}" type="datetimeFigureOut">
               <a:rPr kumimoji="1" lang="ja-JP" altLang="en-US" smtClean="0"/>
-              <a:t>2020/10/5</a:t>
+              <a:t>2020/11/23</a:t>
             </a:fld>
             <a:endParaRPr kumimoji="1" lang="ja-JP" altLang="en-US"/>
           </a:p>
@@ -2640,7 +2641,7 @@
           <a:p>
             <a:fld id="{EA6D781E-2D27-4EF7-AFED-D0940E0D7738}" type="datetimeFigureOut">
               <a:rPr kumimoji="1" lang="ja-JP" altLang="en-US" smtClean="0"/>
-              <a:t>2020/10/5</a:t>
+              <a:t>2020/11/23</a:t>
             </a:fld>
             <a:endParaRPr kumimoji="1" lang="ja-JP" altLang="en-US"/>
           </a:p>
@@ -2928,7 +2929,7 @@
           <a:p>
             <a:fld id="{EA6D781E-2D27-4EF7-AFED-D0940E0D7738}" type="datetimeFigureOut">
               <a:rPr kumimoji="1" lang="ja-JP" altLang="en-US" smtClean="0"/>
-              <a:t>2020/10/5</a:t>
+              <a:t>2020/11/23</a:t>
             </a:fld>
             <a:endParaRPr kumimoji="1" lang="ja-JP" altLang="en-US"/>
           </a:p>
@@ -3201,7 +3202,7 @@
           <a:p>
             <a:fld id="{EA6D781E-2D27-4EF7-AFED-D0940E0D7738}" type="datetimeFigureOut">
               <a:rPr kumimoji="1" lang="ja-JP" altLang="en-US" smtClean="0"/>
-              <a:t>2020/10/5</a:t>
+              <a:t>2020/11/23</a:t>
             </a:fld>
             <a:endParaRPr kumimoji="1" lang="ja-JP" altLang="en-US"/>
           </a:p>
@@ -15451,6 +15452,3726 @@
     <p:extLst>
       <p:ext uri="{BB962C8B-B14F-4D97-AF65-F5344CB8AC3E}">
         <p14:creationId xmlns:p14="http://schemas.microsoft.com/office/powerpoint/2010/main" val="1551363698"/>
+      </p:ext>
+    </p:extLst>
+  </p:cSld>
+  <p:clrMapOvr>
+    <a:masterClrMapping/>
+  </p:clrMapOvr>
+</p:sld>
+</file>
+
+<file path=ppt/slides/slide6.xml><?xml version="1.0" encoding="utf-8"?>
+<p:sld xmlns:a="http://schemas.openxmlformats.org/drawingml/2006/main" xmlns:r="http://schemas.openxmlformats.org/officeDocument/2006/relationships" xmlns:p="http://schemas.openxmlformats.org/presentationml/2006/main">
+  <p:cSld>
+    <p:spTree>
+      <p:nvGrpSpPr>
+        <p:cNvPr id="1" name=""/>
+        <p:cNvGrpSpPr/>
+        <p:nvPr/>
+      </p:nvGrpSpPr>
+      <p:grpSpPr>
+        <a:xfrm>
+          <a:off x="0" y="0"/>
+          <a:ext cx="0" cy="0"/>
+          <a:chOff x="0" y="0"/>
+          <a:chExt cx="0" cy="0"/>
+        </a:xfrm>
+      </p:grpSpPr>
+      <p:sp>
+        <p:nvSpPr>
+          <p:cNvPr id="18" name="楕円 17">
+            <a:extLst>
+              <a:ext uri="{FF2B5EF4-FFF2-40B4-BE49-F238E27FC236}">
+                <a16:creationId xmlns:a16="http://schemas.microsoft.com/office/drawing/2014/main" id="{A2E154AD-98D1-4F44-81A2-0CBE45258587}"/>
+              </a:ext>
+            </a:extLst>
+          </p:cNvPr>
+          <p:cNvSpPr/>
+          <p:nvPr/>
+        </p:nvSpPr>
+        <p:spPr>
+          <a:xfrm>
+            <a:off x="6770612" y="5229576"/>
+            <a:ext cx="786798" cy="736573"/>
+          </a:xfrm>
+          <a:prstGeom prst="ellipse">
+            <a:avLst/>
+          </a:prstGeom>
+          <a:solidFill>
+            <a:schemeClr val="bg1"/>
+          </a:solidFill>
+          <a:ln w="38100">
+            <a:solidFill>
+              <a:schemeClr val="bg2">
+                <a:lumMod val="10000"/>
+              </a:schemeClr>
+            </a:solidFill>
+          </a:ln>
+        </p:spPr>
+        <p:style>
+          <a:lnRef idx="2">
+            <a:schemeClr val="accent1">
+              <a:shade val="50000"/>
+            </a:schemeClr>
+          </a:lnRef>
+          <a:fillRef idx="1">
+            <a:schemeClr val="accent1"/>
+          </a:fillRef>
+          <a:effectRef idx="0">
+            <a:schemeClr val="accent1"/>
+          </a:effectRef>
+          <a:fontRef idx="minor">
+            <a:schemeClr val="lt1"/>
+          </a:fontRef>
+        </p:style>
+        <p:txBody>
+          <a:bodyPr rtlCol="0" anchor="ctr"/>
+          <a:lstStyle/>
+          <a:p>
+            <a:pPr algn="ctr"/>
+            <a:endParaRPr kumimoji="1" lang="ja-JP" altLang="en-US"/>
+          </a:p>
+        </p:txBody>
+      </p:sp>
+      <p:cxnSp>
+        <p:nvCxnSpPr>
+          <p:cNvPr id="63" name="直線コネクタ 62">
+            <a:extLst>
+              <a:ext uri="{FF2B5EF4-FFF2-40B4-BE49-F238E27FC236}">
+                <a16:creationId xmlns:a16="http://schemas.microsoft.com/office/drawing/2014/main" id="{950E2D49-E468-41F4-A082-839B6BF244C5}"/>
+              </a:ext>
+            </a:extLst>
+          </p:cNvPr>
+          <p:cNvCxnSpPr>
+            <a:cxnSpLocks/>
+          </p:cNvCxnSpPr>
+          <p:nvPr/>
+        </p:nvCxnSpPr>
+        <p:spPr>
+          <a:xfrm flipH="1">
+            <a:off x="6378316" y="325626"/>
+            <a:ext cx="889191" cy="1"/>
+          </a:xfrm>
+          <a:prstGeom prst="line">
+            <a:avLst/>
+          </a:prstGeom>
+          <a:ln w="57150">
+            <a:solidFill>
+              <a:schemeClr val="bg2">
+                <a:lumMod val="10000"/>
+              </a:schemeClr>
+            </a:solidFill>
+          </a:ln>
+        </p:spPr>
+        <p:style>
+          <a:lnRef idx="1">
+            <a:schemeClr val="accent1"/>
+          </a:lnRef>
+          <a:fillRef idx="0">
+            <a:schemeClr val="accent1"/>
+          </a:fillRef>
+          <a:effectRef idx="0">
+            <a:schemeClr val="accent1"/>
+          </a:effectRef>
+          <a:fontRef idx="minor">
+            <a:schemeClr val="tx1"/>
+          </a:fontRef>
+        </p:style>
+      </p:cxnSp>
+      <p:sp>
+        <p:nvSpPr>
+          <p:cNvPr id="65" name="テキスト ボックス 64">
+            <a:extLst>
+              <a:ext uri="{FF2B5EF4-FFF2-40B4-BE49-F238E27FC236}">
+                <a16:creationId xmlns:a16="http://schemas.microsoft.com/office/drawing/2014/main" id="{720CAE87-79A7-4680-AF5B-CD23648F3E71}"/>
+              </a:ext>
+            </a:extLst>
+          </p:cNvPr>
+          <p:cNvSpPr txBox="1"/>
+          <p:nvPr/>
+        </p:nvSpPr>
+        <p:spPr>
+          <a:xfrm>
+            <a:off x="4492154" y="506304"/>
+            <a:ext cx="492443" cy="461665"/>
+          </a:xfrm>
+          <a:prstGeom prst="rect">
+            <a:avLst/>
+          </a:prstGeom>
+          <a:noFill/>
+        </p:spPr>
+        <p:txBody>
+          <a:bodyPr wrap="none" rtlCol="0">
+            <a:spAutoFit/>
+          </a:bodyPr>
+          <a:lstStyle/>
+          <a:p>
+            <a:r>
+              <a:rPr kumimoji="1" lang="ja-JP" altLang="en-US" sz="2400" b="1" dirty="0">
+                <a:latin typeface="Georgia" panose="02040502050405020303" pitchFamily="18" charset="0"/>
+              </a:rPr>
+              <a:t>イ</a:t>
+            </a:r>
+          </a:p>
+        </p:txBody>
+      </p:sp>
+      <p:sp>
+        <p:nvSpPr>
+          <p:cNvPr id="44" name="楕円 43">
+            <a:extLst>
+              <a:ext uri="{FF2B5EF4-FFF2-40B4-BE49-F238E27FC236}">
+                <a16:creationId xmlns:a16="http://schemas.microsoft.com/office/drawing/2014/main" id="{F928BFB5-9CA6-4D76-89C5-95229637D3F1}"/>
+              </a:ext>
+            </a:extLst>
+          </p:cNvPr>
+          <p:cNvSpPr/>
+          <p:nvPr/>
+        </p:nvSpPr>
+        <p:spPr>
+          <a:xfrm>
+            <a:off x="3705356" y="207078"/>
+            <a:ext cx="786798" cy="818707"/>
+          </a:xfrm>
+          <a:prstGeom prst="ellipse">
+            <a:avLst/>
+          </a:prstGeom>
+          <a:solidFill>
+            <a:schemeClr val="bg1"/>
+          </a:solidFill>
+          <a:ln w="38100">
+            <a:solidFill>
+              <a:schemeClr val="bg2">
+                <a:lumMod val="10000"/>
+              </a:schemeClr>
+            </a:solidFill>
+          </a:ln>
+        </p:spPr>
+        <p:style>
+          <a:lnRef idx="2">
+            <a:schemeClr val="accent1">
+              <a:shade val="50000"/>
+            </a:schemeClr>
+          </a:lnRef>
+          <a:fillRef idx="1">
+            <a:schemeClr val="accent1"/>
+          </a:fillRef>
+          <a:effectRef idx="0">
+            <a:schemeClr val="accent1"/>
+          </a:effectRef>
+          <a:fontRef idx="minor">
+            <a:schemeClr val="lt1"/>
+          </a:fontRef>
+        </p:style>
+        <p:txBody>
+          <a:bodyPr rtlCol="0" anchor="ctr"/>
+          <a:lstStyle/>
+          <a:p>
+            <a:pPr algn="ctr"/>
+            <a:endParaRPr kumimoji="1" lang="ja-JP" altLang="en-US"/>
+          </a:p>
+        </p:txBody>
+      </p:sp>
+      <p:sp>
+        <p:nvSpPr>
+          <p:cNvPr id="17" name="テキスト ボックス 16">
+            <a:extLst>
+              <a:ext uri="{FF2B5EF4-FFF2-40B4-BE49-F238E27FC236}">
+                <a16:creationId xmlns:a16="http://schemas.microsoft.com/office/drawing/2014/main" id="{AC6C95F1-9AEE-4281-815C-B257B0651CA7}"/>
+              </a:ext>
+            </a:extLst>
+          </p:cNvPr>
+          <p:cNvSpPr txBox="1"/>
+          <p:nvPr/>
+        </p:nvSpPr>
+        <p:spPr>
+          <a:xfrm>
+            <a:off x="3813054" y="222352"/>
+            <a:ext cx="535724" cy="769441"/>
+          </a:xfrm>
+          <a:prstGeom prst="rect">
+            <a:avLst/>
+          </a:prstGeom>
+          <a:noFill/>
+        </p:spPr>
+        <p:txBody>
+          <a:bodyPr wrap="none" rtlCol="0">
+            <a:spAutoFit/>
+          </a:bodyPr>
+          <a:lstStyle/>
+          <a:p>
+            <a:r>
+              <a:rPr kumimoji="1" lang="en-US" altLang="ja-JP" sz="4400" dirty="0">
+                <a:latin typeface="Cambria Math" panose="02040503050406030204" pitchFamily="18" charset="0"/>
+                <a:ea typeface="Cambria Math" panose="02040503050406030204" pitchFamily="18" charset="0"/>
+              </a:rPr>
+              <a:t>R</a:t>
+            </a:r>
+            <a:endParaRPr kumimoji="1" lang="ja-JP" altLang="en-US" sz="4400" dirty="0">
+              <a:latin typeface="Cambria Math" panose="02040503050406030204" pitchFamily="18" charset="0"/>
+            </a:endParaRPr>
+          </a:p>
+        </p:txBody>
+      </p:sp>
+      <p:cxnSp>
+        <p:nvCxnSpPr>
+          <p:cNvPr id="50" name="直線コネクタ 49">
+            <a:extLst>
+              <a:ext uri="{FF2B5EF4-FFF2-40B4-BE49-F238E27FC236}">
+                <a16:creationId xmlns:a16="http://schemas.microsoft.com/office/drawing/2014/main" id="{56332DDB-6A1C-4EF3-9621-CC3E4A766C5B}"/>
+              </a:ext>
+            </a:extLst>
+          </p:cNvPr>
+          <p:cNvCxnSpPr>
+            <a:cxnSpLocks/>
+          </p:cNvCxnSpPr>
+          <p:nvPr/>
+        </p:nvCxnSpPr>
+        <p:spPr>
+          <a:xfrm flipH="1" flipV="1">
+            <a:off x="6878092" y="5797946"/>
+            <a:ext cx="571838" cy="345"/>
+          </a:xfrm>
+          <a:prstGeom prst="line">
+            <a:avLst/>
+          </a:prstGeom>
+          <a:ln w="57150">
+            <a:solidFill>
+              <a:schemeClr val="bg2">
+                <a:lumMod val="10000"/>
+              </a:schemeClr>
+            </a:solidFill>
+          </a:ln>
+        </p:spPr>
+        <p:style>
+          <a:lnRef idx="1">
+            <a:schemeClr val="accent1"/>
+          </a:lnRef>
+          <a:fillRef idx="0">
+            <a:schemeClr val="accent1"/>
+          </a:fillRef>
+          <a:effectRef idx="0">
+            <a:schemeClr val="accent1"/>
+          </a:effectRef>
+          <a:fontRef idx="minor">
+            <a:schemeClr val="tx1"/>
+          </a:fontRef>
+        </p:style>
+      </p:cxnSp>
+      <p:cxnSp>
+        <p:nvCxnSpPr>
+          <p:cNvPr id="55" name="直線コネクタ 54">
+            <a:extLst>
+              <a:ext uri="{FF2B5EF4-FFF2-40B4-BE49-F238E27FC236}">
+                <a16:creationId xmlns:a16="http://schemas.microsoft.com/office/drawing/2014/main" id="{7F65EDAD-F862-4A67-83DB-A8ECF73A00F4}"/>
+              </a:ext>
+            </a:extLst>
+          </p:cNvPr>
+          <p:cNvCxnSpPr>
+            <a:cxnSpLocks/>
+          </p:cNvCxnSpPr>
+          <p:nvPr/>
+        </p:nvCxnSpPr>
+        <p:spPr>
+          <a:xfrm flipH="1" flipV="1">
+            <a:off x="6586283" y="769051"/>
+            <a:ext cx="407677" cy="144643"/>
+          </a:xfrm>
+          <a:prstGeom prst="line">
+            <a:avLst/>
+          </a:prstGeom>
+          <a:ln w="19050">
+            <a:solidFill>
+              <a:schemeClr val="bg2">
+                <a:lumMod val="10000"/>
+              </a:schemeClr>
+            </a:solidFill>
+          </a:ln>
+        </p:spPr>
+        <p:style>
+          <a:lnRef idx="1">
+            <a:schemeClr val="accent1"/>
+          </a:lnRef>
+          <a:fillRef idx="0">
+            <a:schemeClr val="accent1"/>
+          </a:fillRef>
+          <a:effectRef idx="0">
+            <a:schemeClr val="accent1"/>
+          </a:effectRef>
+          <a:fontRef idx="minor">
+            <a:schemeClr val="tx1"/>
+          </a:fontRef>
+        </p:style>
+      </p:cxnSp>
+      <p:sp>
+        <p:nvSpPr>
+          <p:cNvPr id="56" name="楕円 55">
+            <a:extLst>
+              <a:ext uri="{FF2B5EF4-FFF2-40B4-BE49-F238E27FC236}">
+                <a16:creationId xmlns:a16="http://schemas.microsoft.com/office/drawing/2014/main" id="{6F64983C-8A89-4E4D-8122-0AD058935A51}"/>
+              </a:ext>
+            </a:extLst>
+          </p:cNvPr>
+          <p:cNvSpPr/>
+          <p:nvPr/>
+        </p:nvSpPr>
+        <p:spPr>
+          <a:xfrm flipV="1">
+            <a:off x="6947528" y="867584"/>
+            <a:ext cx="176092" cy="182966"/>
+          </a:xfrm>
+          <a:prstGeom prst="ellipse">
+            <a:avLst/>
+          </a:prstGeom>
+          <a:noFill/>
+          <a:ln w="28575">
+            <a:solidFill>
+              <a:schemeClr val="tx1"/>
+            </a:solidFill>
+          </a:ln>
+        </p:spPr>
+        <p:style>
+          <a:lnRef idx="2">
+            <a:schemeClr val="accent1">
+              <a:shade val="50000"/>
+            </a:schemeClr>
+          </a:lnRef>
+          <a:fillRef idx="1">
+            <a:schemeClr val="accent1"/>
+          </a:fillRef>
+          <a:effectRef idx="0">
+            <a:schemeClr val="accent1"/>
+          </a:effectRef>
+          <a:fontRef idx="minor">
+            <a:schemeClr val="lt1"/>
+          </a:fontRef>
+        </p:style>
+        <p:txBody>
+          <a:bodyPr rtlCol="0" anchor="ctr"/>
+          <a:lstStyle/>
+          <a:p>
+            <a:pPr algn="ctr"/>
+            <a:endParaRPr kumimoji="1" lang="ja-JP" altLang="en-US"/>
+          </a:p>
+        </p:txBody>
+      </p:sp>
+      <p:sp>
+        <p:nvSpPr>
+          <p:cNvPr id="57" name="楕円 56">
+            <a:extLst>
+              <a:ext uri="{FF2B5EF4-FFF2-40B4-BE49-F238E27FC236}">
+                <a16:creationId xmlns:a16="http://schemas.microsoft.com/office/drawing/2014/main" id="{F4F8F858-C738-46FB-9F0D-CEC6F20372E8}"/>
+              </a:ext>
+            </a:extLst>
+          </p:cNvPr>
+          <p:cNvSpPr/>
+          <p:nvPr/>
+        </p:nvSpPr>
+        <p:spPr>
+          <a:xfrm flipV="1">
+            <a:off x="6386812" y="867239"/>
+            <a:ext cx="176092" cy="182966"/>
+          </a:xfrm>
+          <a:prstGeom prst="ellipse">
+            <a:avLst/>
+          </a:prstGeom>
+          <a:noFill/>
+          <a:ln w="28575">
+            <a:solidFill>
+              <a:schemeClr val="tx1"/>
+            </a:solidFill>
+          </a:ln>
+        </p:spPr>
+        <p:style>
+          <a:lnRef idx="2">
+            <a:schemeClr val="accent1">
+              <a:shade val="50000"/>
+            </a:schemeClr>
+          </a:lnRef>
+          <a:fillRef idx="1">
+            <a:schemeClr val="accent1"/>
+          </a:fillRef>
+          <a:effectRef idx="0">
+            <a:schemeClr val="accent1"/>
+          </a:effectRef>
+          <a:fontRef idx="minor">
+            <a:schemeClr val="lt1"/>
+          </a:fontRef>
+        </p:style>
+        <p:txBody>
+          <a:bodyPr rtlCol="0" anchor="ctr"/>
+          <a:lstStyle/>
+          <a:p>
+            <a:pPr algn="ctr"/>
+            <a:endParaRPr kumimoji="1" lang="ja-JP" altLang="en-US"/>
+          </a:p>
+        </p:txBody>
+      </p:sp>
+      <p:sp>
+        <p:nvSpPr>
+          <p:cNvPr id="4" name="楕円 3">
+            <a:extLst>
+              <a:ext uri="{FF2B5EF4-FFF2-40B4-BE49-F238E27FC236}">
+                <a16:creationId xmlns:a16="http://schemas.microsoft.com/office/drawing/2014/main" id="{EAC14F3B-5816-4EA6-9790-4FCAEA737CC6}"/>
+              </a:ext>
+            </a:extLst>
+          </p:cNvPr>
+          <p:cNvSpPr/>
+          <p:nvPr/>
+        </p:nvSpPr>
+        <p:spPr>
+          <a:xfrm flipV="1">
+            <a:off x="6588189" y="161908"/>
+            <a:ext cx="347597" cy="352946"/>
+          </a:xfrm>
+          <a:prstGeom prst="ellipse">
+            <a:avLst/>
+          </a:prstGeom>
+          <a:solidFill>
+            <a:schemeClr val="bg1"/>
+          </a:solidFill>
+          <a:ln w="28575">
+            <a:solidFill>
+              <a:schemeClr val="tx1"/>
+            </a:solidFill>
+          </a:ln>
+        </p:spPr>
+        <p:style>
+          <a:lnRef idx="2">
+            <a:schemeClr val="accent1">
+              <a:shade val="50000"/>
+            </a:schemeClr>
+          </a:lnRef>
+          <a:fillRef idx="1">
+            <a:schemeClr val="accent1"/>
+          </a:fillRef>
+          <a:effectRef idx="0">
+            <a:schemeClr val="accent1"/>
+          </a:effectRef>
+          <a:fontRef idx="minor">
+            <a:schemeClr val="lt1"/>
+          </a:fontRef>
+        </p:style>
+        <p:txBody>
+          <a:bodyPr rtlCol="0" anchor="ctr"/>
+          <a:lstStyle/>
+          <a:p>
+            <a:pPr algn="ctr"/>
+            <a:endParaRPr kumimoji="1" lang="ja-JP" altLang="en-US"/>
+          </a:p>
+        </p:txBody>
+      </p:sp>
+      <p:cxnSp>
+        <p:nvCxnSpPr>
+          <p:cNvPr id="64" name="直線コネクタ 63">
+            <a:extLst>
+              <a:ext uri="{FF2B5EF4-FFF2-40B4-BE49-F238E27FC236}">
+                <a16:creationId xmlns:a16="http://schemas.microsoft.com/office/drawing/2014/main" id="{4D658397-2C4B-4000-8063-9848F82650BA}"/>
+              </a:ext>
+            </a:extLst>
+          </p:cNvPr>
+          <p:cNvCxnSpPr>
+            <a:cxnSpLocks/>
+          </p:cNvCxnSpPr>
+          <p:nvPr/>
+        </p:nvCxnSpPr>
+        <p:spPr>
+          <a:xfrm flipV="1">
+            <a:off x="7059499" y="5229576"/>
+            <a:ext cx="0" cy="554960"/>
+          </a:xfrm>
+          <a:prstGeom prst="line">
+            <a:avLst/>
+          </a:prstGeom>
+          <a:ln w="57150">
+            <a:solidFill>
+              <a:schemeClr val="bg2">
+                <a:lumMod val="10000"/>
+              </a:schemeClr>
+            </a:solidFill>
+          </a:ln>
+        </p:spPr>
+        <p:style>
+          <a:lnRef idx="1">
+            <a:schemeClr val="accent1"/>
+          </a:lnRef>
+          <a:fillRef idx="0">
+            <a:schemeClr val="accent1"/>
+          </a:fillRef>
+          <a:effectRef idx="0">
+            <a:schemeClr val="accent1"/>
+          </a:effectRef>
+          <a:fontRef idx="minor">
+            <a:schemeClr val="tx1"/>
+          </a:fontRef>
+        </p:style>
+      </p:cxnSp>
+      <p:cxnSp>
+        <p:nvCxnSpPr>
+          <p:cNvPr id="66" name="直線コネクタ 65">
+            <a:extLst>
+              <a:ext uri="{FF2B5EF4-FFF2-40B4-BE49-F238E27FC236}">
+                <a16:creationId xmlns:a16="http://schemas.microsoft.com/office/drawing/2014/main" id="{F9F57985-8243-4B72-9226-BFAD4CE2DEEC}"/>
+              </a:ext>
+            </a:extLst>
+          </p:cNvPr>
+          <p:cNvCxnSpPr>
+            <a:cxnSpLocks/>
+          </p:cNvCxnSpPr>
+          <p:nvPr/>
+        </p:nvCxnSpPr>
+        <p:spPr>
+          <a:xfrm flipV="1">
+            <a:off x="7265744" y="5230829"/>
+            <a:ext cx="0" cy="554960"/>
+          </a:xfrm>
+          <a:prstGeom prst="line">
+            <a:avLst/>
+          </a:prstGeom>
+          <a:ln w="57150">
+            <a:solidFill>
+              <a:schemeClr val="bg2">
+                <a:lumMod val="10000"/>
+              </a:schemeClr>
+            </a:solidFill>
+          </a:ln>
+        </p:spPr>
+        <p:style>
+          <a:lnRef idx="1">
+            <a:schemeClr val="accent1"/>
+          </a:lnRef>
+          <a:fillRef idx="0">
+            <a:schemeClr val="accent1"/>
+          </a:fillRef>
+          <a:effectRef idx="0">
+            <a:schemeClr val="accent1"/>
+          </a:effectRef>
+          <a:fontRef idx="minor">
+            <a:schemeClr val="tx1"/>
+          </a:fontRef>
+        </p:style>
+      </p:cxnSp>
+      <p:sp>
+        <p:nvSpPr>
+          <p:cNvPr id="5" name="楕円 4">
+            <a:extLst>
+              <a:ext uri="{FF2B5EF4-FFF2-40B4-BE49-F238E27FC236}">
+                <a16:creationId xmlns:a16="http://schemas.microsoft.com/office/drawing/2014/main" id="{4542E235-6EE1-4DB0-BE9E-EE5CE07EC58A}"/>
+              </a:ext>
+            </a:extLst>
+          </p:cNvPr>
+          <p:cNvSpPr/>
+          <p:nvPr/>
+        </p:nvSpPr>
+        <p:spPr>
+          <a:xfrm flipV="1">
+            <a:off x="1301683" y="2347697"/>
+            <a:ext cx="176092" cy="182966"/>
+          </a:xfrm>
+          <a:prstGeom prst="ellipse">
+            <a:avLst/>
+          </a:prstGeom>
+          <a:noFill/>
+          <a:ln w="28575">
+            <a:solidFill>
+              <a:schemeClr val="tx1"/>
+            </a:solidFill>
+          </a:ln>
+        </p:spPr>
+        <p:style>
+          <a:lnRef idx="2">
+            <a:schemeClr val="accent1">
+              <a:shade val="50000"/>
+            </a:schemeClr>
+          </a:lnRef>
+          <a:fillRef idx="1">
+            <a:schemeClr val="accent1"/>
+          </a:fillRef>
+          <a:effectRef idx="0">
+            <a:schemeClr val="accent1"/>
+          </a:effectRef>
+          <a:fontRef idx="minor">
+            <a:schemeClr val="lt1"/>
+          </a:fontRef>
+        </p:style>
+        <p:txBody>
+          <a:bodyPr rtlCol="0" anchor="ctr"/>
+          <a:lstStyle/>
+          <a:p>
+            <a:pPr algn="ctr"/>
+            <a:endParaRPr kumimoji="1" lang="ja-JP" altLang="en-US"/>
+          </a:p>
+        </p:txBody>
+      </p:sp>
+      <p:sp>
+        <p:nvSpPr>
+          <p:cNvPr id="6" name="楕円 5">
+            <a:extLst>
+              <a:ext uri="{FF2B5EF4-FFF2-40B4-BE49-F238E27FC236}">
+                <a16:creationId xmlns:a16="http://schemas.microsoft.com/office/drawing/2014/main" id="{630E7E12-91AA-49D1-96D5-8D8D3C17C1BA}"/>
+              </a:ext>
+            </a:extLst>
+          </p:cNvPr>
+          <p:cNvSpPr/>
+          <p:nvPr/>
+        </p:nvSpPr>
+        <p:spPr>
+          <a:xfrm flipV="1">
+            <a:off x="1301683" y="2836060"/>
+            <a:ext cx="176092" cy="182966"/>
+          </a:xfrm>
+          <a:prstGeom prst="ellipse">
+            <a:avLst/>
+          </a:prstGeom>
+          <a:solidFill>
+            <a:schemeClr val="tx1"/>
+          </a:solidFill>
+          <a:ln w="28575">
+            <a:noFill/>
+          </a:ln>
+        </p:spPr>
+        <p:style>
+          <a:lnRef idx="2">
+            <a:schemeClr val="accent1">
+              <a:shade val="50000"/>
+            </a:schemeClr>
+          </a:lnRef>
+          <a:fillRef idx="1">
+            <a:schemeClr val="accent1"/>
+          </a:fillRef>
+          <a:effectRef idx="0">
+            <a:schemeClr val="accent1"/>
+          </a:effectRef>
+          <a:fontRef idx="minor">
+            <a:schemeClr val="lt1"/>
+          </a:fontRef>
+        </p:style>
+        <p:txBody>
+          <a:bodyPr rtlCol="0" anchor="ctr"/>
+          <a:lstStyle/>
+          <a:p>
+            <a:pPr algn="ctr"/>
+            <a:endParaRPr kumimoji="1" lang="ja-JP" altLang="en-US"/>
+          </a:p>
+        </p:txBody>
+      </p:sp>
+      <p:sp>
+        <p:nvSpPr>
+          <p:cNvPr id="7" name="楕円 6">
+            <a:extLst>
+              <a:ext uri="{FF2B5EF4-FFF2-40B4-BE49-F238E27FC236}">
+                <a16:creationId xmlns:a16="http://schemas.microsoft.com/office/drawing/2014/main" id="{3B110D3F-0631-4A34-B34D-A3A8EAD6EF60}"/>
+              </a:ext>
+            </a:extLst>
+          </p:cNvPr>
+          <p:cNvSpPr/>
+          <p:nvPr/>
+        </p:nvSpPr>
+        <p:spPr>
+          <a:xfrm>
+            <a:off x="3122033" y="1746609"/>
+            <a:ext cx="1943891" cy="1922693"/>
+          </a:xfrm>
+          <a:prstGeom prst="ellipse">
+            <a:avLst/>
+          </a:prstGeom>
+          <a:solidFill>
+            <a:schemeClr val="bg1"/>
+          </a:solidFill>
+          <a:ln w="28575">
+            <a:solidFill>
+              <a:schemeClr val="bg2">
+                <a:lumMod val="10000"/>
+              </a:schemeClr>
+            </a:solidFill>
+            <a:prstDash val="dash"/>
+          </a:ln>
+        </p:spPr>
+        <p:style>
+          <a:lnRef idx="2">
+            <a:schemeClr val="accent1">
+              <a:shade val="50000"/>
+            </a:schemeClr>
+          </a:lnRef>
+          <a:fillRef idx="1">
+            <a:schemeClr val="accent1"/>
+          </a:fillRef>
+          <a:effectRef idx="0">
+            <a:schemeClr val="accent1"/>
+          </a:effectRef>
+          <a:fontRef idx="minor">
+            <a:schemeClr val="lt1"/>
+          </a:fontRef>
+        </p:style>
+        <p:txBody>
+          <a:bodyPr rtlCol="0" anchor="ctr"/>
+          <a:lstStyle/>
+          <a:p>
+            <a:pPr algn="ctr"/>
+            <a:endParaRPr kumimoji="1" lang="ja-JP" altLang="en-US"/>
+          </a:p>
+        </p:txBody>
+      </p:sp>
+      <p:sp>
+        <p:nvSpPr>
+          <p:cNvPr id="9" name="楕円 8">
+            <a:extLst>
+              <a:ext uri="{FF2B5EF4-FFF2-40B4-BE49-F238E27FC236}">
+                <a16:creationId xmlns:a16="http://schemas.microsoft.com/office/drawing/2014/main" id="{5F83C3E4-DD28-48F0-9CF1-131ACAD0A376}"/>
+              </a:ext>
+            </a:extLst>
+          </p:cNvPr>
+          <p:cNvSpPr/>
+          <p:nvPr/>
+        </p:nvSpPr>
+        <p:spPr>
+          <a:xfrm>
+            <a:off x="5912485" y="1746608"/>
+            <a:ext cx="1943891" cy="1922693"/>
+          </a:xfrm>
+          <a:prstGeom prst="ellipse">
+            <a:avLst/>
+          </a:prstGeom>
+          <a:solidFill>
+            <a:schemeClr val="bg1"/>
+          </a:solidFill>
+          <a:ln w="28575">
+            <a:solidFill>
+              <a:schemeClr val="bg2">
+                <a:lumMod val="10000"/>
+              </a:schemeClr>
+            </a:solidFill>
+            <a:prstDash val="dash"/>
+          </a:ln>
+        </p:spPr>
+        <p:style>
+          <a:lnRef idx="2">
+            <a:schemeClr val="accent1">
+              <a:shade val="50000"/>
+            </a:schemeClr>
+          </a:lnRef>
+          <a:fillRef idx="1">
+            <a:schemeClr val="accent1"/>
+          </a:fillRef>
+          <a:effectRef idx="0">
+            <a:schemeClr val="accent1"/>
+          </a:effectRef>
+          <a:fontRef idx="minor">
+            <a:schemeClr val="lt1"/>
+          </a:fontRef>
+        </p:style>
+        <p:txBody>
+          <a:bodyPr rtlCol="0" anchor="ctr"/>
+          <a:lstStyle/>
+          <a:p>
+            <a:pPr algn="ctr"/>
+            <a:endParaRPr kumimoji="1" lang="ja-JP" altLang="en-US"/>
+          </a:p>
+        </p:txBody>
+      </p:sp>
+      <p:sp>
+        <p:nvSpPr>
+          <p:cNvPr id="16" name="テキスト ボックス 15">
+            <a:extLst>
+              <a:ext uri="{FF2B5EF4-FFF2-40B4-BE49-F238E27FC236}">
+                <a16:creationId xmlns:a16="http://schemas.microsoft.com/office/drawing/2014/main" id="{11ABFD26-0EEB-409A-AB57-C9147DB964C5}"/>
+              </a:ext>
+            </a:extLst>
+          </p:cNvPr>
+          <p:cNvSpPr txBox="1"/>
+          <p:nvPr/>
+        </p:nvSpPr>
+        <p:spPr>
+          <a:xfrm>
+            <a:off x="8002735" y="4998742"/>
+            <a:ext cx="553138" cy="461665"/>
+          </a:xfrm>
+          <a:prstGeom prst="rect">
+            <a:avLst/>
+          </a:prstGeom>
+          <a:noFill/>
+        </p:spPr>
+        <p:txBody>
+          <a:bodyPr wrap="square" rtlCol="0">
+            <a:spAutoFit/>
+          </a:bodyPr>
+          <a:lstStyle/>
+          <a:p>
+            <a:r>
+              <a:rPr kumimoji="1" lang="en-US" altLang="ja-JP" sz="2400" b="1" dirty="0">
+                <a:latin typeface="Georgia" panose="02040502050405020303" pitchFamily="18" charset="0"/>
+              </a:rPr>
+              <a:t>2</a:t>
+            </a:r>
+            <a:endParaRPr kumimoji="1" lang="ja-JP" altLang="en-US" sz="2400" b="1" dirty="0">
+              <a:latin typeface="Georgia" panose="02040502050405020303" pitchFamily="18" charset="0"/>
+            </a:endParaRPr>
+          </a:p>
+        </p:txBody>
+      </p:sp>
+      <p:sp>
+        <p:nvSpPr>
+          <p:cNvPr id="20" name="テキスト ボックス 19">
+            <a:extLst>
+              <a:ext uri="{FF2B5EF4-FFF2-40B4-BE49-F238E27FC236}">
+                <a16:creationId xmlns:a16="http://schemas.microsoft.com/office/drawing/2014/main" id="{717BE03C-CB30-4BDE-AEBF-A8972D86E172}"/>
+              </a:ext>
+            </a:extLst>
+          </p:cNvPr>
+          <p:cNvSpPr txBox="1"/>
+          <p:nvPr/>
+        </p:nvSpPr>
+        <p:spPr>
+          <a:xfrm>
+            <a:off x="6515765" y="958721"/>
+            <a:ext cx="492443" cy="461665"/>
+          </a:xfrm>
+          <a:prstGeom prst="rect">
+            <a:avLst/>
+          </a:prstGeom>
+          <a:noFill/>
+        </p:spPr>
+        <p:txBody>
+          <a:bodyPr wrap="none" rtlCol="0">
+            <a:spAutoFit/>
+          </a:bodyPr>
+          <a:lstStyle/>
+          <a:p>
+            <a:r>
+              <a:rPr kumimoji="1" lang="ja-JP" altLang="en-US" sz="2400" b="1" dirty="0">
+                <a:latin typeface="Georgia" panose="02040502050405020303" pitchFamily="18" charset="0"/>
+              </a:rPr>
+              <a:t>イ</a:t>
+            </a:r>
+          </a:p>
+        </p:txBody>
+      </p:sp>
+      <p:sp>
+        <p:nvSpPr>
+          <p:cNvPr id="23" name="テキスト ボックス 22">
+            <a:extLst>
+              <a:ext uri="{FF2B5EF4-FFF2-40B4-BE49-F238E27FC236}">
+                <a16:creationId xmlns:a16="http://schemas.microsoft.com/office/drawing/2014/main" id="{2998232B-0DED-4BBB-8FE4-21473337C476}"/>
+              </a:ext>
+            </a:extLst>
+          </p:cNvPr>
+          <p:cNvSpPr txBox="1"/>
+          <p:nvPr/>
+        </p:nvSpPr>
+        <p:spPr>
+          <a:xfrm>
+            <a:off x="809240" y="2208347"/>
+            <a:ext cx="492443" cy="461665"/>
+          </a:xfrm>
+          <a:prstGeom prst="rect">
+            <a:avLst/>
+          </a:prstGeom>
+          <a:noFill/>
+        </p:spPr>
+        <p:txBody>
+          <a:bodyPr wrap="none" rtlCol="0">
+            <a:spAutoFit/>
+          </a:bodyPr>
+          <a:lstStyle/>
+          <a:p>
+            <a:r>
+              <a:rPr lang="ja-JP" altLang="en-US" sz="2400" b="1" dirty="0">
+                <a:latin typeface="Georgia" panose="02040502050405020303" pitchFamily="18" charset="0"/>
+              </a:rPr>
+              <a:t>白</a:t>
+            </a:r>
+            <a:endParaRPr kumimoji="1" lang="ja-JP" altLang="en-US" sz="2400" b="1" dirty="0">
+              <a:latin typeface="Georgia" panose="02040502050405020303" pitchFamily="18" charset="0"/>
+            </a:endParaRPr>
+          </a:p>
+        </p:txBody>
+      </p:sp>
+      <p:sp>
+        <p:nvSpPr>
+          <p:cNvPr id="24" name="テキスト ボックス 23">
+            <a:extLst>
+              <a:ext uri="{FF2B5EF4-FFF2-40B4-BE49-F238E27FC236}">
+                <a16:creationId xmlns:a16="http://schemas.microsoft.com/office/drawing/2014/main" id="{CAD876F1-1C0C-4045-B2A6-9488A827BDBD}"/>
+              </a:ext>
+            </a:extLst>
+          </p:cNvPr>
+          <p:cNvSpPr txBox="1"/>
+          <p:nvPr/>
+        </p:nvSpPr>
+        <p:spPr>
+          <a:xfrm>
+            <a:off x="800299" y="2707954"/>
+            <a:ext cx="492443" cy="461665"/>
+          </a:xfrm>
+          <a:prstGeom prst="rect">
+            <a:avLst/>
+          </a:prstGeom>
+          <a:noFill/>
+        </p:spPr>
+        <p:txBody>
+          <a:bodyPr wrap="none" rtlCol="0">
+            <a:spAutoFit/>
+          </a:bodyPr>
+          <a:lstStyle/>
+          <a:p>
+            <a:r>
+              <a:rPr kumimoji="1" lang="ja-JP" altLang="en-US" sz="2400" b="1" dirty="0">
+                <a:latin typeface="Georgia" panose="02040502050405020303" pitchFamily="18" charset="0"/>
+              </a:rPr>
+              <a:t>黒</a:t>
+            </a:r>
+          </a:p>
+        </p:txBody>
+      </p:sp>
+      <p:sp>
+        <p:nvSpPr>
+          <p:cNvPr id="2" name="テキスト ボックス 1">
+            <a:extLst>
+              <a:ext uri="{FF2B5EF4-FFF2-40B4-BE49-F238E27FC236}">
+                <a16:creationId xmlns:a16="http://schemas.microsoft.com/office/drawing/2014/main" id="{3BAA7CD5-5A36-45E7-8A9E-8452104EE84E}"/>
+              </a:ext>
+            </a:extLst>
+          </p:cNvPr>
+          <p:cNvSpPr txBox="1"/>
+          <p:nvPr/>
+        </p:nvSpPr>
+        <p:spPr>
+          <a:xfrm>
+            <a:off x="10223944" y="2482678"/>
+            <a:ext cx="492443" cy="461665"/>
+          </a:xfrm>
+          <a:prstGeom prst="rect">
+            <a:avLst/>
+          </a:prstGeom>
+          <a:noFill/>
+        </p:spPr>
+        <p:txBody>
+          <a:bodyPr wrap="none" rtlCol="0">
+            <a:spAutoFit/>
+          </a:bodyPr>
+          <a:lstStyle/>
+          <a:p>
+            <a:r>
+              <a:rPr kumimoji="1" lang="ja-JP" altLang="en-US" sz="2400" b="1" dirty="0">
+                <a:latin typeface="Georgia" panose="02040502050405020303" pitchFamily="18" charset="0"/>
+              </a:rPr>
+              <a:t>イ</a:t>
+            </a:r>
+          </a:p>
+        </p:txBody>
+      </p:sp>
+      <p:sp>
+        <p:nvSpPr>
+          <p:cNvPr id="3" name="楕円 2">
+            <a:extLst>
+              <a:ext uri="{FF2B5EF4-FFF2-40B4-BE49-F238E27FC236}">
+                <a16:creationId xmlns:a16="http://schemas.microsoft.com/office/drawing/2014/main" id="{CB003734-785B-4885-B625-31F194B279F2}"/>
+              </a:ext>
+            </a:extLst>
+          </p:cNvPr>
+          <p:cNvSpPr/>
+          <p:nvPr/>
+        </p:nvSpPr>
+        <p:spPr>
+          <a:xfrm>
+            <a:off x="9437146" y="2183452"/>
+            <a:ext cx="786798" cy="818707"/>
+          </a:xfrm>
+          <a:prstGeom prst="ellipse">
+            <a:avLst/>
+          </a:prstGeom>
+          <a:solidFill>
+            <a:schemeClr val="bg1"/>
+          </a:solidFill>
+          <a:ln w="38100">
+            <a:solidFill>
+              <a:schemeClr val="bg2">
+                <a:lumMod val="10000"/>
+              </a:schemeClr>
+            </a:solidFill>
+          </a:ln>
+        </p:spPr>
+        <p:style>
+          <a:lnRef idx="2">
+            <a:schemeClr val="accent1">
+              <a:shade val="50000"/>
+            </a:schemeClr>
+          </a:lnRef>
+          <a:fillRef idx="1">
+            <a:schemeClr val="accent1"/>
+          </a:fillRef>
+          <a:effectRef idx="0">
+            <a:schemeClr val="accent1"/>
+          </a:effectRef>
+          <a:fontRef idx="minor">
+            <a:schemeClr val="lt1"/>
+          </a:fontRef>
+        </p:style>
+        <p:txBody>
+          <a:bodyPr rtlCol="0" anchor="ctr"/>
+          <a:lstStyle/>
+          <a:p>
+            <a:pPr algn="ctr"/>
+            <a:endParaRPr kumimoji="1" lang="ja-JP" altLang="en-US"/>
+          </a:p>
+        </p:txBody>
+      </p:sp>
+      <p:sp>
+        <p:nvSpPr>
+          <p:cNvPr id="8" name="テキスト ボックス 7">
+            <a:extLst>
+              <a:ext uri="{FF2B5EF4-FFF2-40B4-BE49-F238E27FC236}">
+                <a16:creationId xmlns:a16="http://schemas.microsoft.com/office/drawing/2014/main" id="{1E0AF941-4756-4A0D-BEAD-851DF1A9F734}"/>
+              </a:ext>
+            </a:extLst>
+          </p:cNvPr>
+          <p:cNvSpPr txBox="1"/>
+          <p:nvPr/>
+        </p:nvSpPr>
+        <p:spPr>
+          <a:xfrm>
+            <a:off x="9544844" y="2198726"/>
+            <a:ext cx="535724" cy="769441"/>
+          </a:xfrm>
+          <a:prstGeom prst="rect">
+            <a:avLst/>
+          </a:prstGeom>
+          <a:noFill/>
+        </p:spPr>
+        <p:txBody>
+          <a:bodyPr wrap="none" rtlCol="0">
+            <a:spAutoFit/>
+          </a:bodyPr>
+          <a:lstStyle/>
+          <a:p>
+            <a:r>
+              <a:rPr kumimoji="1" lang="en-US" altLang="ja-JP" sz="4400" dirty="0">
+                <a:latin typeface="Cambria Math" panose="02040503050406030204" pitchFamily="18" charset="0"/>
+                <a:ea typeface="Cambria Math" panose="02040503050406030204" pitchFamily="18" charset="0"/>
+              </a:rPr>
+              <a:t>R</a:t>
+            </a:r>
+            <a:endParaRPr kumimoji="1" lang="ja-JP" altLang="en-US" sz="4400" dirty="0">
+              <a:latin typeface="Cambria Math" panose="02040503050406030204" pitchFamily="18" charset="0"/>
+            </a:endParaRPr>
+          </a:p>
+        </p:txBody>
+      </p:sp>
+      <p:sp>
+        <p:nvSpPr>
+          <p:cNvPr id="40" name="楕円 39">
+            <a:extLst>
+              <a:ext uri="{FF2B5EF4-FFF2-40B4-BE49-F238E27FC236}">
+                <a16:creationId xmlns:a16="http://schemas.microsoft.com/office/drawing/2014/main" id="{1A8B9F64-49EE-4937-A333-1C8B2735E22C}"/>
+              </a:ext>
+            </a:extLst>
+          </p:cNvPr>
+          <p:cNvSpPr/>
+          <p:nvPr/>
+        </p:nvSpPr>
+        <p:spPr>
+          <a:xfrm>
+            <a:off x="3720066" y="5229576"/>
+            <a:ext cx="786798" cy="736573"/>
+          </a:xfrm>
+          <a:prstGeom prst="ellipse">
+            <a:avLst/>
+          </a:prstGeom>
+          <a:solidFill>
+            <a:schemeClr val="bg1"/>
+          </a:solidFill>
+          <a:ln w="38100">
+            <a:solidFill>
+              <a:schemeClr val="bg2">
+                <a:lumMod val="10000"/>
+              </a:schemeClr>
+            </a:solidFill>
+          </a:ln>
+        </p:spPr>
+        <p:style>
+          <a:lnRef idx="2">
+            <a:schemeClr val="accent1">
+              <a:shade val="50000"/>
+            </a:schemeClr>
+          </a:lnRef>
+          <a:fillRef idx="1">
+            <a:schemeClr val="accent1"/>
+          </a:fillRef>
+          <a:effectRef idx="0">
+            <a:schemeClr val="accent1"/>
+          </a:effectRef>
+          <a:fontRef idx="minor">
+            <a:schemeClr val="lt1"/>
+          </a:fontRef>
+        </p:style>
+        <p:txBody>
+          <a:bodyPr rtlCol="0" anchor="ctr"/>
+          <a:lstStyle/>
+          <a:p>
+            <a:pPr algn="ctr"/>
+            <a:endParaRPr kumimoji="1" lang="ja-JP" altLang="en-US"/>
+          </a:p>
+        </p:txBody>
+      </p:sp>
+      <p:cxnSp>
+        <p:nvCxnSpPr>
+          <p:cNvPr id="41" name="直線コネクタ 40">
+            <a:extLst>
+              <a:ext uri="{FF2B5EF4-FFF2-40B4-BE49-F238E27FC236}">
+                <a16:creationId xmlns:a16="http://schemas.microsoft.com/office/drawing/2014/main" id="{4C216ED0-3ED0-4120-B606-2A044FBF4ED4}"/>
+              </a:ext>
+            </a:extLst>
+          </p:cNvPr>
+          <p:cNvCxnSpPr>
+            <a:cxnSpLocks/>
+          </p:cNvCxnSpPr>
+          <p:nvPr/>
+        </p:nvCxnSpPr>
+        <p:spPr>
+          <a:xfrm flipH="1" flipV="1">
+            <a:off x="3827546" y="5797946"/>
+            <a:ext cx="571838" cy="345"/>
+          </a:xfrm>
+          <a:prstGeom prst="line">
+            <a:avLst/>
+          </a:prstGeom>
+          <a:ln w="57150">
+            <a:solidFill>
+              <a:schemeClr val="bg2">
+                <a:lumMod val="10000"/>
+              </a:schemeClr>
+            </a:solidFill>
+          </a:ln>
+        </p:spPr>
+        <p:style>
+          <a:lnRef idx="1">
+            <a:schemeClr val="accent1"/>
+          </a:lnRef>
+          <a:fillRef idx="0">
+            <a:schemeClr val="accent1"/>
+          </a:fillRef>
+          <a:effectRef idx="0">
+            <a:schemeClr val="accent1"/>
+          </a:effectRef>
+          <a:fontRef idx="minor">
+            <a:schemeClr val="tx1"/>
+          </a:fontRef>
+        </p:style>
+      </p:cxnSp>
+      <p:cxnSp>
+        <p:nvCxnSpPr>
+          <p:cNvPr id="42" name="直線コネクタ 41">
+            <a:extLst>
+              <a:ext uri="{FF2B5EF4-FFF2-40B4-BE49-F238E27FC236}">
+                <a16:creationId xmlns:a16="http://schemas.microsoft.com/office/drawing/2014/main" id="{8CF98F51-54EA-4790-8D7A-4DB60B59A57B}"/>
+              </a:ext>
+            </a:extLst>
+          </p:cNvPr>
+          <p:cNvCxnSpPr>
+            <a:cxnSpLocks/>
+          </p:cNvCxnSpPr>
+          <p:nvPr/>
+        </p:nvCxnSpPr>
+        <p:spPr>
+          <a:xfrm flipV="1">
+            <a:off x="4008953" y="5229576"/>
+            <a:ext cx="0" cy="554960"/>
+          </a:xfrm>
+          <a:prstGeom prst="line">
+            <a:avLst/>
+          </a:prstGeom>
+          <a:ln w="57150">
+            <a:solidFill>
+              <a:schemeClr val="bg2">
+                <a:lumMod val="10000"/>
+              </a:schemeClr>
+            </a:solidFill>
+          </a:ln>
+        </p:spPr>
+        <p:style>
+          <a:lnRef idx="1">
+            <a:schemeClr val="accent1"/>
+          </a:lnRef>
+          <a:fillRef idx="0">
+            <a:schemeClr val="accent1"/>
+          </a:fillRef>
+          <a:effectRef idx="0">
+            <a:schemeClr val="accent1"/>
+          </a:effectRef>
+          <a:fontRef idx="minor">
+            <a:schemeClr val="tx1"/>
+          </a:fontRef>
+        </p:style>
+      </p:cxnSp>
+      <p:cxnSp>
+        <p:nvCxnSpPr>
+          <p:cNvPr id="43" name="直線コネクタ 42">
+            <a:extLst>
+              <a:ext uri="{FF2B5EF4-FFF2-40B4-BE49-F238E27FC236}">
+                <a16:creationId xmlns:a16="http://schemas.microsoft.com/office/drawing/2014/main" id="{12CAC96B-AB51-4330-9F64-BE4819430290}"/>
+              </a:ext>
+            </a:extLst>
+          </p:cNvPr>
+          <p:cNvCxnSpPr>
+            <a:cxnSpLocks/>
+          </p:cNvCxnSpPr>
+          <p:nvPr/>
+        </p:nvCxnSpPr>
+        <p:spPr>
+          <a:xfrm flipV="1">
+            <a:off x="4215198" y="5230829"/>
+            <a:ext cx="0" cy="554960"/>
+          </a:xfrm>
+          <a:prstGeom prst="line">
+            <a:avLst/>
+          </a:prstGeom>
+          <a:ln w="57150">
+            <a:solidFill>
+              <a:schemeClr val="bg2">
+                <a:lumMod val="10000"/>
+              </a:schemeClr>
+            </a:solidFill>
+          </a:ln>
+        </p:spPr>
+        <p:style>
+          <a:lnRef idx="1">
+            <a:schemeClr val="accent1"/>
+          </a:lnRef>
+          <a:fillRef idx="0">
+            <a:schemeClr val="accent1"/>
+          </a:fillRef>
+          <a:effectRef idx="0">
+            <a:schemeClr val="accent1"/>
+          </a:effectRef>
+          <a:fontRef idx="minor">
+            <a:schemeClr val="tx1"/>
+          </a:fontRef>
+        </p:style>
+      </p:cxnSp>
+      <p:cxnSp>
+        <p:nvCxnSpPr>
+          <p:cNvPr id="29" name="直線コネクタ 28">
+            <a:extLst>
+              <a:ext uri="{FF2B5EF4-FFF2-40B4-BE49-F238E27FC236}">
+                <a16:creationId xmlns:a16="http://schemas.microsoft.com/office/drawing/2014/main" id="{29ABFC13-E54F-4E64-A8AD-BF2DCE92933C}"/>
+              </a:ext>
+            </a:extLst>
+          </p:cNvPr>
+          <p:cNvCxnSpPr>
+            <a:cxnSpLocks/>
+          </p:cNvCxnSpPr>
+          <p:nvPr/>
+        </p:nvCxnSpPr>
+        <p:spPr>
+          <a:xfrm flipH="1">
+            <a:off x="1477810" y="2411012"/>
+            <a:ext cx="7959336" cy="0"/>
+          </a:xfrm>
+          <a:prstGeom prst="line">
+            <a:avLst/>
+          </a:prstGeom>
+          <a:ln w="57150">
+            <a:solidFill>
+              <a:schemeClr val="accent1">
+                <a:lumMod val="60000"/>
+                <a:lumOff val="40000"/>
+              </a:schemeClr>
+            </a:solidFill>
+          </a:ln>
+        </p:spPr>
+        <p:style>
+          <a:lnRef idx="1">
+            <a:schemeClr val="accent1"/>
+          </a:lnRef>
+          <a:fillRef idx="0">
+            <a:schemeClr val="accent1"/>
+          </a:fillRef>
+          <a:effectRef idx="0">
+            <a:schemeClr val="accent1"/>
+          </a:effectRef>
+          <a:fontRef idx="minor">
+            <a:schemeClr val="tx1"/>
+          </a:fontRef>
+        </p:style>
+      </p:cxnSp>
+      <p:cxnSp>
+        <p:nvCxnSpPr>
+          <p:cNvPr id="30" name="直線コネクタ 29">
+            <a:extLst>
+              <a:ext uri="{FF2B5EF4-FFF2-40B4-BE49-F238E27FC236}">
+                <a16:creationId xmlns:a16="http://schemas.microsoft.com/office/drawing/2014/main" id="{3FAB7D07-211A-40FD-8BC2-3A9C5F18E1AC}"/>
+              </a:ext>
+            </a:extLst>
+          </p:cNvPr>
+          <p:cNvCxnSpPr>
+            <a:cxnSpLocks/>
+          </p:cNvCxnSpPr>
+          <p:nvPr/>
+        </p:nvCxnSpPr>
+        <p:spPr>
+          <a:xfrm>
+            <a:off x="3875625" y="958721"/>
+            <a:ext cx="0" cy="1479586"/>
+          </a:xfrm>
+          <a:prstGeom prst="line">
+            <a:avLst/>
+          </a:prstGeom>
+          <a:ln w="57150">
+            <a:solidFill>
+              <a:schemeClr val="accent1">
+                <a:lumMod val="60000"/>
+                <a:lumOff val="40000"/>
+              </a:schemeClr>
+            </a:solidFill>
+          </a:ln>
+        </p:spPr>
+        <p:style>
+          <a:lnRef idx="1">
+            <a:schemeClr val="accent1"/>
+          </a:lnRef>
+          <a:fillRef idx="0">
+            <a:schemeClr val="accent1"/>
+          </a:fillRef>
+          <a:effectRef idx="0">
+            <a:schemeClr val="accent1"/>
+          </a:effectRef>
+          <a:fontRef idx="minor">
+            <a:schemeClr val="tx1"/>
+          </a:fontRef>
+        </p:style>
+      </p:cxnSp>
+      <p:cxnSp>
+        <p:nvCxnSpPr>
+          <p:cNvPr id="37" name="直線コネクタ 36">
+            <a:extLst>
+              <a:ext uri="{FF2B5EF4-FFF2-40B4-BE49-F238E27FC236}">
+                <a16:creationId xmlns:a16="http://schemas.microsoft.com/office/drawing/2014/main" id="{3E52F1BA-C472-409A-9DAF-91DCD799E31F}"/>
+              </a:ext>
+            </a:extLst>
+          </p:cNvPr>
+          <p:cNvCxnSpPr>
+            <a:cxnSpLocks/>
+          </p:cNvCxnSpPr>
+          <p:nvPr/>
+        </p:nvCxnSpPr>
+        <p:spPr>
+          <a:xfrm>
+            <a:off x="7267507" y="325626"/>
+            <a:ext cx="0" cy="4673117"/>
+          </a:xfrm>
+          <a:prstGeom prst="line">
+            <a:avLst/>
+          </a:prstGeom>
+          <a:ln w="57150">
+            <a:solidFill>
+              <a:schemeClr val="accent1">
+                <a:lumMod val="60000"/>
+                <a:lumOff val="40000"/>
+              </a:schemeClr>
+            </a:solidFill>
+          </a:ln>
+        </p:spPr>
+        <p:style>
+          <a:lnRef idx="1">
+            <a:schemeClr val="accent1"/>
+          </a:lnRef>
+          <a:fillRef idx="0">
+            <a:schemeClr val="accent1"/>
+          </a:fillRef>
+          <a:effectRef idx="0">
+            <a:schemeClr val="accent1"/>
+          </a:effectRef>
+          <a:fontRef idx="minor">
+            <a:schemeClr val="tx1"/>
+          </a:fontRef>
+        </p:style>
+      </p:cxnSp>
+      <p:sp>
+        <p:nvSpPr>
+          <p:cNvPr id="25" name="テキスト ボックス 24">
+            <a:extLst>
+              <a:ext uri="{FF2B5EF4-FFF2-40B4-BE49-F238E27FC236}">
+                <a16:creationId xmlns:a16="http://schemas.microsoft.com/office/drawing/2014/main" id="{8336322D-B87B-48BB-AEFB-9C5536192DEC}"/>
+              </a:ext>
+            </a:extLst>
+          </p:cNvPr>
+          <p:cNvSpPr txBox="1"/>
+          <p:nvPr/>
+        </p:nvSpPr>
+        <p:spPr>
+          <a:xfrm>
+            <a:off x="8002113" y="5597862"/>
+            <a:ext cx="613925" cy="461665"/>
+          </a:xfrm>
+          <a:prstGeom prst="rect">
+            <a:avLst/>
+          </a:prstGeom>
+          <a:noFill/>
+        </p:spPr>
+        <p:txBody>
+          <a:bodyPr wrap="square" rtlCol="0">
+            <a:spAutoFit/>
+          </a:bodyPr>
+          <a:lstStyle/>
+          <a:p>
+            <a:r>
+              <a:rPr kumimoji="1" lang="en-US" altLang="ja-JP" sz="2400" b="1" dirty="0">
+                <a:latin typeface="Georgia" panose="02040502050405020303" pitchFamily="18" charset="0"/>
+              </a:rPr>
+              <a:t>w</a:t>
+            </a:r>
+            <a:endParaRPr kumimoji="1" lang="ja-JP" altLang="en-US" sz="2400" b="1" dirty="0">
+              <a:latin typeface="Georgia" panose="02040502050405020303" pitchFamily="18" charset="0"/>
+            </a:endParaRPr>
+          </a:p>
+        </p:txBody>
+      </p:sp>
+      <p:sp>
+        <p:nvSpPr>
+          <p:cNvPr id="27" name="テキスト ボックス 26">
+            <a:extLst>
+              <a:ext uri="{FF2B5EF4-FFF2-40B4-BE49-F238E27FC236}">
+                <a16:creationId xmlns:a16="http://schemas.microsoft.com/office/drawing/2014/main" id="{225499AF-9A0F-4A59-B6E5-D1D751A9C5E1}"/>
+              </a:ext>
+            </a:extLst>
+          </p:cNvPr>
+          <p:cNvSpPr txBox="1"/>
+          <p:nvPr/>
+        </p:nvSpPr>
+        <p:spPr>
+          <a:xfrm>
+            <a:off x="4442671" y="4998743"/>
+            <a:ext cx="613925" cy="461665"/>
+          </a:xfrm>
+          <a:prstGeom prst="rect">
+            <a:avLst/>
+          </a:prstGeom>
+          <a:noFill/>
+        </p:spPr>
+        <p:txBody>
+          <a:bodyPr wrap="square" rtlCol="0">
+            <a:spAutoFit/>
+          </a:bodyPr>
+          <a:lstStyle/>
+          <a:p>
+            <a:r>
+              <a:rPr kumimoji="1" lang="en-US" altLang="ja-JP" sz="2400" b="1" dirty="0">
+                <a:latin typeface="Georgia" panose="02040502050405020303" pitchFamily="18" charset="0"/>
+              </a:rPr>
+              <a:t>w</a:t>
+            </a:r>
+            <a:endParaRPr kumimoji="1" lang="ja-JP" altLang="en-US" sz="2400" b="1" dirty="0">
+              <a:latin typeface="Georgia" panose="02040502050405020303" pitchFamily="18" charset="0"/>
+            </a:endParaRPr>
+          </a:p>
+        </p:txBody>
+      </p:sp>
+      <p:cxnSp>
+        <p:nvCxnSpPr>
+          <p:cNvPr id="49" name="直線コネクタ 48">
+            <a:extLst>
+              <a:ext uri="{FF2B5EF4-FFF2-40B4-BE49-F238E27FC236}">
+                <a16:creationId xmlns:a16="http://schemas.microsoft.com/office/drawing/2014/main" id="{0F0E06F3-80B5-4371-9CD3-D0D94DAB8E5E}"/>
+              </a:ext>
+            </a:extLst>
+          </p:cNvPr>
+          <p:cNvCxnSpPr>
+            <a:cxnSpLocks/>
+          </p:cNvCxnSpPr>
+          <p:nvPr/>
+        </p:nvCxnSpPr>
+        <p:spPr>
+          <a:xfrm flipH="1">
+            <a:off x="4817097" y="6216509"/>
+            <a:ext cx="2977636" cy="0"/>
+          </a:xfrm>
+          <a:prstGeom prst="line">
+            <a:avLst/>
+          </a:prstGeom>
+          <a:ln w="57150">
+            <a:solidFill>
+              <a:schemeClr val="accent1">
+                <a:lumMod val="60000"/>
+                <a:lumOff val="40000"/>
+              </a:schemeClr>
+            </a:solidFill>
+          </a:ln>
+        </p:spPr>
+        <p:style>
+          <a:lnRef idx="1">
+            <a:schemeClr val="accent1"/>
+          </a:lnRef>
+          <a:fillRef idx="0">
+            <a:schemeClr val="accent1"/>
+          </a:fillRef>
+          <a:effectRef idx="0">
+            <a:schemeClr val="accent1"/>
+          </a:effectRef>
+          <a:fontRef idx="minor">
+            <a:schemeClr val="tx1"/>
+          </a:fontRef>
+        </p:style>
+      </p:cxnSp>
+      <p:cxnSp>
+        <p:nvCxnSpPr>
+          <p:cNvPr id="51" name="直線コネクタ 50">
+            <a:extLst>
+              <a:ext uri="{FF2B5EF4-FFF2-40B4-BE49-F238E27FC236}">
+                <a16:creationId xmlns:a16="http://schemas.microsoft.com/office/drawing/2014/main" id="{464ED1A7-D452-4C66-920B-54EC6C67EE97}"/>
+              </a:ext>
+            </a:extLst>
+          </p:cNvPr>
+          <p:cNvCxnSpPr>
+            <a:cxnSpLocks/>
+          </p:cNvCxnSpPr>
+          <p:nvPr/>
+        </p:nvCxnSpPr>
+        <p:spPr>
+          <a:xfrm flipH="1">
+            <a:off x="7231696" y="4998742"/>
+            <a:ext cx="545417" cy="0"/>
+          </a:xfrm>
+          <a:prstGeom prst="line">
+            <a:avLst/>
+          </a:prstGeom>
+          <a:ln w="57150">
+            <a:solidFill>
+              <a:schemeClr val="accent1">
+                <a:lumMod val="60000"/>
+                <a:lumOff val="40000"/>
+              </a:schemeClr>
+            </a:solidFill>
+          </a:ln>
+        </p:spPr>
+        <p:style>
+          <a:lnRef idx="1">
+            <a:schemeClr val="accent1"/>
+          </a:lnRef>
+          <a:fillRef idx="0">
+            <a:schemeClr val="accent1"/>
+          </a:fillRef>
+          <a:effectRef idx="0">
+            <a:schemeClr val="accent1"/>
+          </a:effectRef>
+          <a:fontRef idx="minor">
+            <a:schemeClr val="tx1"/>
+          </a:fontRef>
+        </p:style>
+      </p:cxnSp>
+      <p:cxnSp>
+        <p:nvCxnSpPr>
+          <p:cNvPr id="54" name="直線コネクタ 53">
+            <a:extLst>
+              <a:ext uri="{FF2B5EF4-FFF2-40B4-BE49-F238E27FC236}">
+                <a16:creationId xmlns:a16="http://schemas.microsoft.com/office/drawing/2014/main" id="{F9214CE9-EB01-418F-8CCC-9E3A5EBA79DF}"/>
+              </a:ext>
+            </a:extLst>
+          </p:cNvPr>
+          <p:cNvCxnSpPr>
+            <a:cxnSpLocks/>
+          </p:cNvCxnSpPr>
+          <p:nvPr/>
+        </p:nvCxnSpPr>
+        <p:spPr>
+          <a:xfrm flipV="1">
+            <a:off x="7771352" y="4998742"/>
+            <a:ext cx="1" cy="446720"/>
+          </a:xfrm>
+          <a:prstGeom prst="line">
+            <a:avLst/>
+          </a:prstGeom>
+          <a:ln w="57150">
+            <a:solidFill>
+              <a:schemeClr val="accent1">
+                <a:lumMod val="60000"/>
+                <a:lumOff val="40000"/>
+              </a:schemeClr>
+            </a:solidFill>
+          </a:ln>
+        </p:spPr>
+        <p:style>
+          <a:lnRef idx="1">
+            <a:schemeClr val="accent1"/>
+          </a:lnRef>
+          <a:fillRef idx="0">
+            <a:schemeClr val="accent1"/>
+          </a:fillRef>
+          <a:effectRef idx="0">
+            <a:schemeClr val="accent1"/>
+          </a:effectRef>
+          <a:fontRef idx="minor">
+            <a:schemeClr val="tx1"/>
+          </a:fontRef>
+        </p:style>
+      </p:cxnSp>
+      <p:cxnSp>
+        <p:nvCxnSpPr>
+          <p:cNvPr id="58" name="直線コネクタ 57">
+            <a:extLst>
+              <a:ext uri="{FF2B5EF4-FFF2-40B4-BE49-F238E27FC236}">
+                <a16:creationId xmlns:a16="http://schemas.microsoft.com/office/drawing/2014/main" id="{710EF6A7-E265-4C87-B335-1C918F9EE3C8}"/>
+              </a:ext>
+            </a:extLst>
+          </p:cNvPr>
+          <p:cNvCxnSpPr>
+            <a:cxnSpLocks/>
+          </p:cNvCxnSpPr>
+          <p:nvPr/>
+        </p:nvCxnSpPr>
+        <p:spPr>
+          <a:xfrm flipH="1">
+            <a:off x="7534110" y="5445462"/>
+            <a:ext cx="237242" cy="0"/>
+          </a:xfrm>
+          <a:prstGeom prst="line">
+            <a:avLst/>
+          </a:prstGeom>
+          <a:ln w="57150">
+            <a:solidFill>
+              <a:schemeClr val="accent1">
+                <a:lumMod val="60000"/>
+                <a:lumOff val="40000"/>
+              </a:schemeClr>
+            </a:solidFill>
+          </a:ln>
+        </p:spPr>
+        <p:style>
+          <a:lnRef idx="1">
+            <a:schemeClr val="accent1"/>
+          </a:lnRef>
+          <a:fillRef idx="0">
+            <a:schemeClr val="accent1"/>
+          </a:fillRef>
+          <a:effectRef idx="0">
+            <a:schemeClr val="accent1"/>
+          </a:effectRef>
+          <a:fontRef idx="minor">
+            <a:schemeClr val="tx1"/>
+          </a:fontRef>
+        </p:style>
+      </p:cxnSp>
+      <p:cxnSp>
+        <p:nvCxnSpPr>
+          <p:cNvPr id="59" name="直線コネクタ 58">
+            <a:extLst>
+              <a:ext uri="{FF2B5EF4-FFF2-40B4-BE49-F238E27FC236}">
+                <a16:creationId xmlns:a16="http://schemas.microsoft.com/office/drawing/2014/main" id="{24645875-ACC1-41D1-B42A-A18689C4DA49}"/>
+              </a:ext>
+            </a:extLst>
+          </p:cNvPr>
+          <p:cNvCxnSpPr>
+            <a:cxnSpLocks/>
+          </p:cNvCxnSpPr>
+          <p:nvPr/>
+        </p:nvCxnSpPr>
+        <p:spPr>
+          <a:xfrm flipH="1">
+            <a:off x="7504405" y="5769789"/>
+            <a:ext cx="266947" cy="0"/>
+          </a:xfrm>
+          <a:prstGeom prst="line">
+            <a:avLst/>
+          </a:prstGeom>
+          <a:ln w="57150">
+            <a:solidFill>
+              <a:schemeClr val="accent1">
+                <a:lumMod val="60000"/>
+                <a:lumOff val="40000"/>
+              </a:schemeClr>
+            </a:solidFill>
+          </a:ln>
+        </p:spPr>
+        <p:style>
+          <a:lnRef idx="1">
+            <a:schemeClr val="accent1"/>
+          </a:lnRef>
+          <a:fillRef idx="0">
+            <a:schemeClr val="accent1"/>
+          </a:fillRef>
+          <a:effectRef idx="0">
+            <a:schemeClr val="accent1"/>
+          </a:effectRef>
+          <a:fontRef idx="minor">
+            <a:schemeClr val="tx1"/>
+          </a:fontRef>
+        </p:style>
+      </p:cxnSp>
+      <p:cxnSp>
+        <p:nvCxnSpPr>
+          <p:cNvPr id="60" name="直線コネクタ 59">
+            <a:extLst>
+              <a:ext uri="{FF2B5EF4-FFF2-40B4-BE49-F238E27FC236}">
+                <a16:creationId xmlns:a16="http://schemas.microsoft.com/office/drawing/2014/main" id="{8CC1FAF8-CDE5-4996-B17B-510FEE458586}"/>
+              </a:ext>
+            </a:extLst>
+          </p:cNvPr>
+          <p:cNvCxnSpPr>
+            <a:cxnSpLocks/>
+          </p:cNvCxnSpPr>
+          <p:nvPr/>
+        </p:nvCxnSpPr>
+        <p:spPr>
+          <a:xfrm flipV="1">
+            <a:off x="7782828" y="5769789"/>
+            <a:ext cx="1" cy="446720"/>
+          </a:xfrm>
+          <a:prstGeom prst="line">
+            <a:avLst/>
+          </a:prstGeom>
+          <a:ln w="57150">
+            <a:solidFill>
+              <a:schemeClr val="accent1">
+                <a:lumMod val="60000"/>
+                <a:lumOff val="40000"/>
+              </a:schemeClr>
+            </a:solidFill>
+          </a:ln>
+        </p:spPr>
+        <p:style>
+          <a:lnRef idx="1">
+            <a:schemeClr val="accent1"/>
+          </a:lnRef>
+          <a:fillRef idx="0">
+            <a:schemeClr val="accent1"/>
+          </a:fillRef>
+          <a:effectRef idx="0">
+            <a:schemeClr val="accent1"/>
+          </a:effectRef>
+          <a:fontRef idx="minor">
+            <a:schemeClr val="tx1"/>
+          </a:fontRef>
+        </p:style>
+      </p:cxnSp>
+      <p:cxnSp>
+        <p:nvCxnSpPr>
+          <p:cNvPr id="67" name="直線コネクタ 66">
+            <a:extLst>
+              <a:ext uri="{FF2B5EF4-FFF2-40B4-BE49-F238E27FC236}">
+                <a16:creationId xmlns:a16="http://schemas.microsoft.com/office/drawing/2014/main" id="{32F18EA2-BB17-4B35-9D7F-05D7E6D32D01}"/>
+              </a:ext>
+            </a:extLst>
+          </p:cNvPr>
+          <p:cNvCxnSpPr>
+            <a:cxnSpLocks/>
+          </p:cNvCxnSpPr>
+          <p:nvPr/>
+        </p:nvCxnSpPr>
+        <p:spPr>
+          <a:xfrm>
+            <a:off x="4846949" y="5597862"/>
+            <a:ext cx="0" cy="639533"/>
+          </a:xfrm>
+          <a:prstGeom prst="line">
+            <a:avLst/>
+          </a:prstGeom>
+          <a:ln w="57150">
+            <a:solidFill>
+              <a:schemeClr val="accent1">
+                <a:lumMod val="60000"/>
+                <a:lumOff val="40000"/>
+              </a:schemeClr>
+            </a:solidFill>
+          </a:ln>
+        </p:spPr>
+        <p:style>
+          <a:lnRef idx="1">
+            <a:schemeClr val="accent1"/>
+          </a:lnRef>
+          <a:fillRef idx="0">
+            <a:schemeClr val="accent1"/>
+          </a:fillRef>
+          <a:effectRef idx="0">
+            <a:schemeClr val="accent1"/>
+          </a:effectRef>
+          <a:fontRef idx="minor">
+            <a:schemeClr val="tx1"/>
+          </a:fontRef>
+        </p:style>
+      </p:cxnSp>
+      <p:cxnSp>
+        <p:nvCxnSpPr>
+          <p:cNvPr id="68" name="直線コネクタ 67">
+            <a:extLst>
+              <a:ext uri="{FF2B5EF4-FFF2-40B4-BE49-F238E27FC236}">
+                <a16:creationId xmlns:a16="http://schemas.microsoft.com/office/drawing/2014/main" id="{E19E90D9-1BA5-4B01-B924-D37874A0E608}"/>
+              </a:ext>
+            </a:extLst>
+          </p:cNvPr>
+          <p:cNvCxnSpPr>
+            <a:cxnSpLocks/>
+          </p:cNvCxnSpPr>
+          <p:nvPr/>
+        </p:nvCxnSpPr>
+        <p:spPr>
+          <a:xfrm flipH="1">
+            <a:off x="4520508" y="5597862"/>
+            <a:ext cx="326441" cy="0"/>
+          </a:xfrm>
+          <a:prstGeom prst="line">
+            <a:avLst/>
+          </a:prstGeom>
+          <a:ln w="57150">
+            <a:solidFill>
+              <a:schemeClr val="accent1">
+                <a:lumMod val="60000"/>
+                <a:lumOff val="40000"/>
+              </a:schemeClr>
+            </a:solidFill>
+          </a:ln>
+        </p:spPr>
+        <p:style>
+          <a:lnRef idx="1">
+            <a:schemeClr val="accent1"/>
+          </a:lnRef>
+          <a:fillRef idx="0">
+            <a:schemeClr val="accent1"/>
+          </a:fillRef>
+          <a:effectRef idx="0">
+            <a:schemeClr val="accent1"/>
+          </a:effectRef>
+          <a:fontRef idx="minor">
+            <a:schemeClr val="tx1"/>
+          </a:fontRef>
+        </p:style>
+      </p:cxnSp>
+      <p:sp>
+        <p:nvSpPr>
+          <p:cNvPr id="62" name="楕円 61">
+            <a:extLst>
+              <a:ext uri="{FF2B5EF4-FFF2-40B4-BE49-F238E27FC236}">
+                <a16:creationId xmlns:a16="http://schemas.microsoft.com/office/drawing/2014/main" id="{B20DF494-F7D2-473C-AF72-18D4F3925045}"/>
+              </a:ext>
+            </a:extLst>
+          </p:cNvPr>
+          <p:cNvSpPr/>
+          <p:nvPr/>
+        </p:nvSpPr>
+        <p:spPr>
+          <a:xfrm flipV="1">
+            <a:off x="3779188" y="2322066"/>
+            <a:ext cx="176092" cy="182966"/>
+          </a:xfrm>
+          <a:prstGeom prst="ellipse">
+            <a:avLst/>
+          </a:prstGeom>
+          <a:solidFill>
+            <a:schemeClr val="tx1"/>
+          </a:solidFill>
+          <a:ln w="28575">
+            <a:noFill/>
+          </a:ln>
+        </p:spPr>
+        <p:style>
+          <a:lnRef idx="2">
+            <a:schemeClr val="accent1">
+              <a:shade val="50000"/>
+            </a:schemeClr>
+          </a:lnRef>
+          <a:fillRef idx="1">
+            <a:schemeClr val="accent1"/>
+          </a:fillRef>
+          <a:effectRef idx="0">
+            <a:schemeClr val="accent1"/>
+          </a:effectRef>
+          <a:fontRef idx="minor">
+            <a:schemeClr val="lt1"/>
+          </a:fontRef>
+        </p:style>
+        <p:txBody>
+          <a:bodyPr rtlCol="0" anchor="ctr"/>
+          <a:lstStyle/>
+          <a:p>
+            <a:pPr algn="ctr"/>
+            <a:endParaRPr kumimoji="1" lang="ja-JP" altLang="en-US"/>
+          </a:p>
+        </p:txBody>
+      </p:sp>
+      <p:sp>
+        <p:nvSpPr>
+          <p:cNvPr id="72" name="楕円 71">
+            <a:extLst>
+              <a:ext uri="{FF2B5EF4-FFF2-40B4-BE49-F238E27FC236}">
+                <a16:creationId xmlns:a16="http://schemas.microsoft.com/office/drawing/2014/main" id="{397EAB69-DB61-4CB5-8C3F-EA8B5E5FFDE1}"/>
+              </a:ext>
+            </a:extLst>
+          </p:cNvPr>
+          <p:cNvSpPr/>
+          <p:nvPr/>
+        </p:nvSpPr>
+        <p:spPr>
+          <a:xfrm flipV="1">
+            <a:off x="7182397" y="2334529"/>
+            <a:ext cx="176092" cy="182966"/>
+          </a:xfrm>
+          <a:prstGeom prst="ellipse">
+            <a:avLst/>
+          </a:prstGeom>
+          <a:solidFill>
+            <a:schemeClr val="tx1"/>
+          </a:solidFill>
+          <a:ln w="28575">
+            <a:noFill/>
+          </a:ln>
+        </p:spPr>
+        <p:style>
+          <a:lnRef idx="2">
+            <a:schemeClr val="accent1">
+              <a:shade val="50000"/>
+            </a:schemeClr>
+          </a:lnRef>
+          <a:fillRef idx="1">
+            <a:schemeClr val="accent1"/>
+          </a:fillRef>
+          <a:effectRef idx="0">
+            <a:schemeClr val="accent1"/>
+          </a:effectRef>
+          <a:fontRef idx="minor">
+            <a:schemeClr val="lt1"/>
+          </a:fontRef>
+        </p:style>
+        <p:txBody>
+          <a:bodyPr rtlCol="0" anchor="ctr"/>
+          <a:lstStyle/>
+          <a:p>
+            <a:pPr algn="ctr"/>
+            <a:endParaRPr kumimoji="1" lang="ja-JP" altLang="en-US"/>
+          </a:p>
+        </p:txBody>
+      </p:sp>
+      <p:cxnSp>
+        <p:nvCxnSpPr>
+          <p:cNvPr id="73" name="直線コネクタ 72">
+            <a:extLst>
+              <a:ext uri="{FF2B5EF4-FFF2-40B4-BE49-F238E27FC236}">
+                <a16:creationId xmlns:a16="http://schemas.microsoft.com/office/drawing/2014/main" id="{DC8EF916-7812-43DA-8DD9-0CECAD0A53C5}"/>
+              </a:ext>
+            </a:extLst>
+          </p:cNvPr>
+          <p:cNvCxnSpPr>
+            <a:cxnSpLocks/>
+          </p:cNvCxnSpPr>
+          <p:nvPr/>
+        </p:nvCxnSpPr>
+        <p:spPr>
+          <a:xfrm flipH="1">
+            <a:off x="1373772" y="2909854"/>
+            <a:ext cx="5101086" cy="17689"/>
+          </a:xfrm>
+          <a:prstGeom prst="line">
+            <a:avLst/>
+          </a:prstGeom>
+          <a:ln w="57150">
+            <a:solidFill>
+              <a:schemeClr val="bg2">
+                <a:lumMod val="10000"/>
+              </a:schemeClr>
+            </a:solidFill>
+          </a:ln>
+        </p:spPr>
+        <p:style>
+          <a:lnRef idx="1">
+            <a:schemeClr val="accent1"/>
+          </a:lnRef>
+          <a:fillRef idx="0">
+            <a:schemeClr val="accent1"/>
+          </a:fillRef>
+          <a:effectRef idx="0">
+            <a:schemeClr val="accent1"/>
+          </a:effectRef>
+          <a:fontRef idx="minor">
+            <a:schemeClr val="tx1"/>
+          </a:fontRef>
+        </p:style>
+      </p:cxnSp>
+      <p:cxnSp>
+        <p:nvCxnSpPr>
+          <p:cNvPr id="52" name="直線コネクタ 51">
+            <a:extLst>
+              <a:ext uri="{FF2B5EF4-FFF2-40B4-BE49-F238E27FC236}">
+                <a16:creationId xmlns:a16="http://schemas.microsoft.com/office/drawing/2014/main" id="{C1168691-2C0A-4064-9109-F254881D4CC3}"/>
+              </a:ext>
+            </a:extLst>
+          </p:cNvPr>
+          <p:cNvCxnSpPr>
+            <a:cxnSpLocks/>
+          </p:cNvCxnSpPr>
+          <p:nvPr/>
+        </p:nvCxnSpPr>
+        <p:spPr>
+          <a:xfrm>
+            <a:off x="6474858" y="1050205"/>
+            <a:ext cx="0" cy="4395257"/>
+          </a:xfrm>
+          <a:prstGeom prst="line">
+            <a:avLst/>
+          </a:prstGeom>
+          <a:ln w="57150">
+            <a:solidFill>
+              <a:schemeClr val="bg2">
+                <a:lumMod val="10000"/>
+              </a:schemeClr>
+            </a:solidFill>
+          </a:ln>
+        </p:spPr>
+        <p:style>
+          <a:lnRef idx="1">
+            <a:schemeClr val="accent1"/>
+          </a:lnRef>
+          <a:fillRef idx="0">
+            <a:schemeClr val="accent1"/>
+          </a:fillRef>
+          <a:effectRef idx="0">
+            <a:schemeClr val="accent1"/>
+          </a:effectRef>
+          <a:fontRef idx="minor">
+            <a:schemeClr val="tx1"/>
+          </a:fontRef>
+        </p:style>
+      </p:cxnSp>
+      <p:sp>
+        <p:nvSpPr>
+          <p:cNvPr id="15" name="円弧 14">
+            <a:extLst>
+              <a:ext uri="{FF2B5EF4-FFF2-40B4-BE49-F238E27FC236}">
+                <a16:creationId xmlns:a16="http://schemas.microsoft.com/office/drawing/2014/main" id="{6FD94D97-4CDC-43CF-881A-D457F72F2DD6}"/>
+              </a:ext>
+            </a:extLst>
+          </p:cNvPr>
+          <p:cNvSpPr/>
+          <p:nvPr/>
+        </p:nvSpPr>
+        <p:spPr>
+          <a:xfrm rot="13200351">
+            <a:off x="6301329" y="142258"/>
+            <a:ext cx="1006286" cy="1005106"/>
+          </a:xfrm>
+          <a:prstGeom prst="arc">
+            <a:avLst>
+              <a:gd name="adj1" fmla="val 16797120"/>
+              <a:gd name="adj2" fmla="val 0"/>
+            </a:avLst>
+          </a:prstGeom>
+          <a:ln w="38100">
+            <a:solidFill>
+              <a:schemeClr val="tx1"/>
+            </a:solidFill>
+          </a:ln>
+        </p:spPr>
+        <p:style>
+          <a:lnRef idx="1">
+            <a:schemeClr val="accent1"/>
+          </a:lnRef>
+          <a:fillRef idx="0">
+            <a:schemeClr val="accent1"/>
+          </a:fillRef>
+          <a:effectRef idx="0">
+            <a:schemeClr val="accent1"/>
+          </a:effectRef>
+          <a:fontRef idx="minor">
+            <a:schemeClr val="tx1"/>
+          </a:fontRef>
+        </p:style>
+        <p:txBody>
+          <a:bodyPr rtlCol="0" anchor="ctr"/>
+          <a:lstStyle/>
+          <a:p>
+            <a:pPr algn="ctr"/>
+            <a:endParaRPr kumimoji="1" lang="ja-JP" altLang="en-US"/>
+          </a:p>
+        </p:txBody>
+      </p:sp>
+      <p:cxnSp>
+        <p:nvCxnSpPr>
+          <p:cNvPr id="61" name="直線コネクタ 60">
+            <a:extLst>
+              <a:ext uri="{FF2B5EF4-FFF2-40B4-BE49-F238E27FC236}">
+                <a16:creationId xmlns:a16="http://schemas.microsoft.com/office/drawing/2014/main" id="{3D2AF926-026D-44C0-AEE3-5710DBFE0C37}"/>
+              </a:ext>
+            </a:extLst>
+          </p:cNvPr>
+          <p:cNvCxnSpPr>
+            <a:cxnSpLocks/>
+          </p:cNvCxnSpPr>
+          <p:nvPr/>
+        </p:nvCxnSpPr>
+        <p:spPr>
+          <a:xfrm flipH="1">
+            <a:off x="6445817" y="5420259"/>
+            <a:ext cx="358655" cy="0"/>
+          </a:xfrm>
+          <a:prstGeom prst="line">
+            <a:avLst/>
+          </a:prstGeom>
+          <a:ln w="57150">
+            <a:solidFill>
+              <a:schemeClr val="bg2">
+                <a:lumMod val="10000"/>
+              </a:schemeClr>
+            </a:solidFill>
+          </a:ln>
+        </p:spPr>
+        <p:style>
+          <a:lnRef idx="1">
+            <a:schemeClr val="accent1"/>
+          </a:lnRef>
+          <a:fillRef idx="0">
+            <a:schemeClr val="accent1"/>
+          </a:fillRef>
+          <a:effectRef idx="0">
+            <a:schemeClr val="accent1"/>
+          </a:effectRef>
+          <a:fontRef idx="minor">
+            <a:schemeClr val="tx1"/>
+          </a:fontRef>
+        </p:style>
+      </p:cxnSp>
+      <p:cxnSp>
+        <p:nvCxnSpPr>
+          <p:cNvPr id="69" name="直線コネクタ 68">
+            <a:extLst>
+              <a:ext uri="{FF2B5EF4-FFF2-40B4-BE49-F238E27FC236}">
+                <a16:creationId xmlns:a16="http://schemas.microsoft.com/office/drawing/2014/main" id="{D075FD08-6127-48BA-987A-B29C050DC374}"/>
+              </a:ext>
+            </a:extLst>
+          </p:cNvPr>
+          <p:cNvCxnSpPr>
+            <a:cxnSpLocks/>
+          </p:cNvCxnSpPr>
+          <p:nvPr/>
+        </p:nvCxnSpPr>
+        <p:spPr>
+          <a:xfrm flipH="1" flipV="1">
+            <a:off x="5279010" y="5769789"/>
+            <a:ext cx="1525463" cy="20148"/>
+          </a:xfrm>
+          <a:prstGeom prst="line">
+            <a:avLst/>
+          </a:prstGeom>
+          <a:ln w="57150">
+            <a:solidFill>
+              <a:schemeClr val="bg2">
+                <a:lumMod val="10000"/>
+              </a:schemeClr>
+            </a:solidFill>
+          </a:ln>
+        </p:spPr>
+        <p:style>
+          <a:lnRef idx="1">
+            <a:schemeClr val="accent1"/>
+          </a:lnRef>
+          <a:fillRef idx="0">
+            <a:schemeClr val="accent1"/>
+          </a:fillRef>
+          <a:effectRef idx="0">
+            <a:schemeClr val="accent1"/>
+          </a:effectRef>
+          <a:fontRef idx="minor">
+            <a:schemeClr val="tx1"/>
+          </a:fontRef>
+        </p:style>
+      </p:cxnSp>
+      <p:cxnSp>
+        <p:nvCxnSpPr>
+          <p:cNvPr id="70" name="直線コネクタ 69">
+            <a:extLst>
+              <a:ext uri="{FF2B5EF4-FFF2-40B4-BE49-F238E27FC236}">
+                <a16:creationId xmlns:a16="http://schemas.microsoft.com/office/drawing/2014/main" id="{661D11A1-8BCB-4491-A89F-036F19095C9A}"/>
+              </a:ext>
+            </a:extLst>
+          </p:cNvPr>
+          <p:cNvCxnSpPr>
+            <a:cxnSpLocks/>
+          </p:cNvCxnSpPr>
+          <p:nvPr/>
+        </p:nvCxnSpPr>
+        <p:spPr>
+          <a:xfrm>
+            <a:off x="5279010" y="4845377"/>
+            <a:ext cx="0" cy="952569"/>
+          </a:xfrm>
+          <a:prstGeom prst="line">
+            <a:avLst/>
+          </a:prstGeom>
+          <a:ln w="57150">
+            <a:solidFill>
+              <a:schemeClr val="bg2">
+                <a:lumMod val="10000"/>
+              </a:schemeClr>
+            </a:solidFill>
+          </a:ln>
+        </p:spPr>
+        <p:style>
+          <a:lnRef idx="1">
+            <a:schemeClr val="accent1"/>
+          </a:lnRef>
+          <a:fillRef idx="0">
+            <a:schemeClr val="accent1"/>
+          </a:fillRef>
+          <a:effectRef idx="0">
+            <a:schemeClr val="accent1"/>
+          </a:effectRef>
+          <a:fontRef idx="minor">
+            <a:schemeClr val="tx1"/>
+          </a:fontRef>
+        </p:style>
+      </p:cxnSp>
+      <p:cxnSp>
+        <p:nvCxnSpPr>
+          <p:cNvPr id="71" name="直線コネクタ 70">
+            <a:extLst>
+              <a:ext uri="{FF2B5EF4-FFF2-40B4-BE49-F238E27FC236}">
+                <a16:creationId xmlns:a16="http://schemas.microsoft.com/office/drawing/2014/main" id="{FC83B42F-0AC8-452E-9ACD-B4D63CD21809}"/>
+              </a:ext>
+            </a:extLst>
+          </p:cNvPr>
+          <p:cNvCxnSpPr>
+            <a:cxnSpLocks/>
+          </p:cNvCxnSpPr>
+          <p:nvPr/>
+        </p:nvCxnSpPr>
+        <p:spPr>
+          <a:xfrm flipH="1" flipV="1">
+            <a:off x="3544478" y="4855956"/>
+            <a:ext cx="1734534" cy="19009"/>
+          </a:xfrm>
+          <a:prstGeom prst="line">
+            <a:avLst/>
+          </a:prstGeom>
+          <a:ln w="57150">
+            <a:solidFill>
+              <a:schemeClr val="bg2">
+                <a:lumMod val="10000"/>
+              </a:schemeClr>
+            </a:solidFill>
+          </a:ln>
+        </p:spPr>
+        <p:style>
+          <a:lnRef idx="1">
+            <a:schemeClr val="accent1"/>
+          </a:lnRef>
+          <a:fillRef idx="0">
+            <a:schemeClr val="accent1"/>
+          </a:fillRef>
+          <a:effectRef idx="0">
+            <a:schemeClr val="accent1"/>
+          </a:effectRef>
+          <a:fontRef idx="minor">
+            <a:schemeClr val="tx1"/>
+          </a:fontRef>
+        </p:style>
+      </p:cxnSp>
+      <p:cxnSp>
+        <p:nvCxnSpPr>
+          <p:cNvPr id="74" name="直線コネクタ 73">
+            <a:extLst>
+              <a:ext uri="{FF2B5EF4-FFF2-40B4-BE49-F238E27FC236}">
+                <a16:creationId xmlns:a16="http://schemas.microsoft.com/office/drawing/2014/main" id="{F9032A92-9E57-4965-99D1-C1877C043F9A}"/>
+              </a:ext>
+            </a:extLst>
+          </p:cNvPr>
+          <p:cNvCxnSpPr>
+            <a:cxnSpLocks/>
+          </p:cNvCxnSpPr>
+          <p:nvPr/>
+        </p:nvCxnSpPr>
+        <p:spPr>
+          <a:xfrm>
+            <a:off x="3544478" y="4817220"/>
+            <a:ext cx="0" cy="780642"/>
+          </a:xfrm>
+          <a:prstGeom prst="line">
+            <a:avLst/>
+          </a:prstGeom>
+          <a:ln w="57150">
+            <a:solidFill>
+              <a:schemeClr val="bg2">
+                <a:lumMod val="10000"/>
+              </a:schemeClr>
+            </a:solidFill>
+          </a:ln>
+        </p:spPr>
+        <p:style>
+          <a:lnRef idx="1">
+            <a:schemeClr val="accent1"/>
+          </a:lnRef>
+          <a:fillRef idx="0">
+            <a:schemeClr val="accent1"/>
+          </a:fillRef>
+          <a:effectRef idx="0">
+            <a:schemeClr val="accent1"/>
+          </a:effectRef>
+          <a:fontRef idx="minor">
+            <a:schemeClr val="tx1"/>
+          </a:fontRef>
+        </p:style>
+      </p:cxnSp>
+      <p:cxnSp>
+        <p:nvCxnSpPr>
+          <p:cNvPr id="75" name="直線コネクタ 74">
+            <a:extLst>
+              <a:ext uri="{FF2B5EF4-FFF2-40B4-BE49-F238E27FC236}">
+                <a16:creationId xmlns:a16="http://schemas.microsoft.com/office/drawing/2014/main" id="{DFC97FF0-57B9-42E7-9726-5D5BE4CD00DA}"/>
+              </a:ext>
+            </a:extLst>
+          </p:cNvPr>
+          <p:cNvCxnSpPr>
+            <a:cxnSpLocks/>
+            <a:stCxn id="40" idx="2"/>
+          </p:cNvCxnSpPr>
+          <p:nvPr/>
+        </p:nvCxnSpPr>
+        <p:spPr>
+          <a:xfrm flipH="1">
+            <a:off x="3506124" y="5597863"/>
+            <a:ext cx="213942" cy="13065"/>
+          </a:xfrm>
+          <a:prstGeom prst="line">
+            <a:avLst/>
+          </a:prstGeom>
+          <a:ln w="57150">
+            <a:solidFill>
+              <a:schemeClr val="bg2">
+                <a:lumMod val="10000"/>
+              </a:schemeClr>
+            </a:solidFill>
+          </a:ln>
+        </p:spPr>
+        <p:style>
+          <a:lnRef idx="1">
+            <a:schemeClr val="accent1"/>
+          </a:lnRef>
+          <a:fillRef idx="0">
+            <a:schemeClr val="accent1"/>
+          </a:fillRef>
+          <a:effectRef idx="0">
+            <a:schemeClr val="accent1"/>
+          </a:effectRef>
+          <a:fontRef idx="minor">
+            <a:schemeClr val="tx1"/>
+          </a:fontRef>
+        </p:style>
+      </p:cxnSp>
+      <p:sp>
+        <p:nvSpPr>
+          <p:cNvPr id="39" name="楕円 38">
+            <a:extLst>
+              <a:ext uri="{FF2B5EF4-FFF2-40B4-BE49-F238E27FC236}">
+                <a16:creationId xmlns:a16="http://schemas.microsoft.com/office/drawing/2014/main" id="{CD8770D8-F8CC-4FB8-B318-C24B76521D11}"/>
+              </a:ext>
+            </a:extLst>
+          </p:cNvPr>
+          <p:cNvSpPr/>
+          <p:nvPr/>
+        </p:nvSpPr>
+        <p:spPr>
+          <a:xfrm flipV="1">
+            <a:off x="3803928" y="2847303"/>
+            <a:ext cx="176092" cy="182966"/>
+          </a:xfrm>
+          <a:prstGeom prst="ellipse">
+            <a:avLst/>
+          </a:prstGeom>
+          <a:solidFill>
+            <a:schemeClr val="tx1"/>
+          </a:solidFill>
+          <a:ln w="28575">
+            <a:noFill/>
+          </a:ln>
+        </p:spPr>
+        <p:style>
+          <a:lnRef idx="2">
+            <a:schemeClr val="accent1">
+              <a:shade val="50000"/>
+            </a:schemeClr>
+          </a:lnRef>
+          <a:fillRef idx="1">
+            <a:schemeClr val="accent1"/>
+          </a:fillRef>
+          <a:effectRef idx="0">
+            <a:schemeClr val="accent1"/>
+          </a:effectRef>
+          <a:fontRef idx="minor">
+            <a:schemeClr val="lt1"/>
+          </a:fontRef>
+        </p:style>
+        <p:txBody>
+          <a:bodyPr rtlCol="0" anchor="ctr"/>
+          <a:lstStyle/>
+          <a:p>
+            <a:pPr algn="ctr"/>
+            <a:endParaRPr kumimoji="1" lang="ja-JP" altLang="en-US"/>
+          </a:p>
+        </p:txBody>
+      </p:sp>
+      <p:sp>
+        <p:nvSpPr>
+          <p:cNvPr id="45" name="楕円 44">
+            <a:extLst>
+              <a:ext uri="{FF2B5EF4-FFF2-40B4-BE49-F238E27FC236}">
+                <a16:creationId xmlns:a16="http://schemas.microsoft.com/office/drawing/2014/main" id="{E8C55314-FC14-4995-8290-9F3292AF27E0}"/>
+              </a:ext>
+            </a:extLst>
+          </p:cNvPr>
+          <p:cNvSpPr/>
+          <p:nvPr/>
+        </p:nvSpPr>
+        <p:spPr>
+          <a:xfrm flipV="1">
+            <a:off x="6383876" y="2818371"/>
+            <a:ext cx="176092" cy="182966"/>
+          </a:xfrm>
+          <a:prstGeom prst="ellipse">
+            <a:avLst/>
+          </a:prstGeom>
+          <a:solidFill>
+            <a:schemeClr val="tx1"/>
+          </a:solidFill>
+          <a:ln w="28575">
+            <a:noFill/>
+          </a:ln>
+        </p:spPr>
+        <p:style>
+          <a:lnRef idx="2">
+            <a:schemeClr val="accent1">
+              <a:shade val="50000"/>
+            </a:schemeClr>
+          </a:lnRef>
+          <a:fillRef idx="1">
+            <a:schemeClr val="accent1"/>
+          </a:fillRef>
+          <a:effectRef idx="0">
+            <a:schemeClr val="accent1"/>
+          </a:effectRef>
+          <a:fontRef idx="minor">
+            <a:schemeClr val="lt1"/>
+          </a:fontRef>
+        </p:style>
+        <p:txBody>
+          <a:bodyPr rtlCol="0" anchor="ctr"/>
+          <a:lstStyle/>
+          <a:p>
+            <a:pPr algn="ctr"/>
+            <a:endParaRPr kumimoji="1" lang="ja-JP" altLang="en-US"/>
+          </a:p>
+        </p:txBody>
+      </p:sp>
+      <p:cxnSp>
+        <p:nvCxnSpPr>
+          <p:cNvPr id="76" name="直線コネクタ 75">
+            <a:extLst>
+              <a:ext uri="{FF2B5EF4-FFF2-40B4-BE49-F238E27FC236}">
+                <a16:creationId xmlns:a16="http://schemas.microsoft.com/office/drawing/2014/main" id="{A5680A27-9094-4007-97BF-EEC614A38E1E}"/>
+              </a:ext>
+            </a:extLst>
+          </p:cNvPr>
+          <p:cNvCxnSpPr>
+            <a:cxnSpLocks/>
+          </p:cNvCxnSpPr>
+          <p:nvPr/>
+        </p:nvCxnSpPr>
+        <p:spPr>
+          <a:xfrm>
+            <a:off x="4274538" y="991793"/>
+            <a:ext cx="0" cy="1678219"/>
+          </a:xfrm>
+          <a:prstGeom prst="line">
+            <a:avLst/>
+          </a:prstGeom>
+          <a:ln w="57150">
+            <a:solidFill>
+              <a:schemeClr val="tx1">
+                <a:lumMod val="95000"/>
+                <a:lumOff val="5000"/>
+              </a:schemeClr>
+            </a:solidFill>
+          </a:ln>
+        </p:spPr>
+        <p:style>
+          <a:lnRef idx="1">
+            <a:schemeClr val="accent1"/>
+          </a:lnRef>
+          <a:fillRef idx="0">
+            <a:schemeClr val="accent1"/>
+          </a:fillRef>
+          <a:effectRef idx="0">
+            <a:schemeClr val="accent1"/>
+          </a:effectRef>
+          <a:fontRef idx="minor">
+            <a:schemeClr val="tx1"/>
+          </a:fontRef>
+        </p:style>
+      </p:cxnSp>
+      <p:cxnSp>
+        <p:nvCxnSpPr>
+          <p:cNvPr id="77" name="直線コネクタ 76">
+            <a:extLst>
+              <a:ext uri="{FF2B5EF4-FFF2-40B4-BE49-F238E27FC236}">
+                <a16:creationId xmlns:a16="http://schemas.microsoft.com/office/drawing/2014/main" id="{145A3865-43FE-4825-87C5-EAE592223D02}"/>
+              </a:ext>
+            </a:extLst>
+          </p:cNvPr>
+          <p:cNvCxnSpPr>
+            <a:cxnSpLocks/>
+            <a:stCxn id="19" idx="2"/>
+          </p:cNvCxnSpPr>
+          <p:nvPr/>
+        </p:nvCxnSpPr>
+        <p:spPr>
+          <a:xfrm flipH="1">
+            <a:off x="4274540" y="2660433"/>
+            <a:ext cx="2672988" cy="17204"/>
+          </a:xfrm>
+          <a:prstGeom prst="line">
+            <a:avLst/>
+          </a:prstGeom>
+          <a:ln w="57150">
+            <a:solidFill>
+              <a:srgbClr val="FF0000"/>
+            </a:solidFill>
+          </a:ln>
+        </p:spPr>
+        <p:style>
+          <a:lnRef idx="1">
+            <a:schemeClr val="accent1"/>
+          </a:lnRef>
+          <a:fillRef idx="0">
+            <a:schemeClr val="accent1"/>
+          </a:fillRef>
+          <a:effectRef idx="0">
+            <a:schemeClr val="accent1"/>
+          </a:effectRef>
+          <a:fontRef idx="minor">
+            <a:schemeClr val="tx1"/>
+          </a:fontRef>
+        </p:style>
+      </p:cxnSp>
+      <p:cxnSp>
+        <p:nvCxnSpPr>
+          <p:cNvPr id="78" name="直線コネクタ 77">
+            <a:extLst>
+              <a:ext uri="{FF2B5EF4-FFF2-40B4-BE49-F238E27FC236}">
+                <a16:creationId xmlns:a16="http://schemas.microsoft.com/office/drawing/2014/main" id="{98B754FD-101A-42F3-B491-4F279B1980CE}"/>
+              </a:ext>
+            </a:extLst>
+          </p:cNvPr>
+          <p:cNvCxnSpPr>
+            <a:cxnSpLocks/>
+          </p:cNvCxnSpPr>
+          <p:nvPr/>
+        </p:nvCxnSpPr>
+        <p:spPr>
+          <a:xfrm>
+            <a:off x="7061109" y="1050205"/>
+            <a:ext cx="0" cy="1611979"/>
+          </a:xfrm>
+          <a:prstGeom prst="line">
+            <a:avLst/>
+          </a:prstGeom>
+          <a:ln w="57150">
+            <a:solidFill>
+              <a:srgbClr val="FF0000"/>
+            </a:solidFill>
+          </a:ln>
+        </p:spPr>
+        <p:style>
+          <a:lnRef idx="1">
+            <a:schemeClr val="accent1"/>
+          </a:lnRef>
+          <a:fillRef idx="0">
+            <a:schemeClr val="accent1"/>
+          </a:fillRef>
+          <a:effectRef idx="0">
+            <a:schemeClr val="accent1"/>
+          </a:effectRef>
+          <a:fontRef idx="minor">
+            <a:schemeClr val="tx1"/>
+          </a:fontRef>
+        </p:style>
+      </p:cxnSp>
+      <p:sp>
+        <p:nvSpPr>
+          <p:cNvPr id="14" name="楕円 13">
+            <a:extLst>
+              <a:ext uri="{FF2B5EF4-FFF2-40B4-BE49-F238E27FC236}">
+                <a16:creationId xmlns:a16="http://schemas.microsoft.com/office/drawing/2014/main" id="{799B6762-EFC7-45D8-B405-37CF2DB14DC2}"/>
+              </a:ext>
+            </a:extLst>
+          </p:cNvPr>
+          <p:cNvSpPr/>
+          <p:nvPr/>
+        </p:nvSpPr>
+        <p:spPr>
+          <a:xfrm flipV="1">
+            <a:off x="4173183" y="2578529"/>
+            <a:ext cx="176092" cy="182966"/>
+          </a:xfrm>
+          <a:prstGeom prst="ellipse">
+            <a:avLst/>
+          </a:prstGeom>
+          <a:solidFill>
+            <a:schemeClr val="tx1"/>
+          </a:solidFill>
+          <a:ln w="28575">
+            <a:noFill/>
+          </a:ln>
+        </p:spPr>
+        <p:style>
+          <a:lnRef idx="2">
+            <a:schemeClr val="accent1">
+              <a:shade val="50000"/>
+            </a:schemeClr>
+          </a:lnRef>
+          <a:fillRef idx="1">
+            <a:schemeClr val="accent1"/>
+          </a:fillRef>
+          <a:effectRef idx="0">
+            <a:schemeClr val="accent1"/>
+          </a:effectRef>
+          <a:fontRef idx="minor">
+            <a:schemeClr val="lt1"/>
+          </a:fontRef>
+        </p:style>
+        <p:txBody>
+          <a:bodyPr rtlCol="0" anchor="ctr"/>
+          <a:lstStyle/>
+          <a:p>
+            <a:pPr algn="ctr"/>
+            <a:endParaRPr kumimoji="1" lang="ja-JP" altLang="en-US"/>
+          </a:p>
+        </p:txBody>
+      </p:sp>
+      <p:sp>
+        <p:nvSpPr>
+          <p:cNvPr id="19" name="楕円 18">
+            <a:extLst>
+              <a:ext uri="{FF2B5EF4-FFF2-40B4-BE49-F238E27FC236}">
+                <a16:creationId xmlns:a16="http://schemas.microsoft.com/office/drawing/2014/main" id="{8608B1E6-CBB2-43FC-8AC3-980E921E3CC6}"/>
+              </a:ext>
+            </a:extLst>
+          </p:cNvPr>
+          <p:cNvSpPr/>
+          <p:nvPr/>
+        </p:nvSpPr>
+        <p:spPr>
+          <a:xfrm flipV="1">
+            <a:off x="6947528" y="2568950"/>
+            <a:ext cx="176092" cy="182966"/>
+          </a:xfrm>
+          <a:prstGeom prst="ellipse">
+            <a:avLst/>
+          </a:prstGeom>
+          <a:solidFill>
+            <a:schemeClr val="tx1"/>
+          </a:solidFill>
+          <a:ln w="28575">
+            <a:noFill/>
+          </a:ln>
+        </p:spPr>
+        <p:style>
+          <a:lnRef idx="2">
+            <a:schemeClr val="accent1">
+              <a:shade val="50000"/>
+            </a:schemeClr>
+          </a:lnRef>
+          <a:fillRef idx="1">
+            <a:schemeClr val="accent1"/>
+          </a:fillRef>
+          <a:effectRef idx="0">
+            <a:schemeClr val="accent1"/>
+          </a:effectRef>
+          <a:fontRef idx="minor">
+            <a:schemeClr val="lt1"/>
+          </a:fontRef>
+        </p:style>
+        <p:txBody>
+          <a:bodyPr rtlCol="0" anchor="ctr"/>
+          <a:lstStyle/>
+          <a:p>
+            <a:pPr algn="ctr"/>
+            <a:endParaRPr kumimoji="1" lang="ja-JP" altLang="en-US"/>
+          </a:p>
+        </p:txBody>
+      </p:sp>
+      <p:cxnSp>
+        <p:nvCxnSpPr>
+          <p:cNvPr id="79" name="直線コネクタ 78">
+            <a:extLst>
+              <a:ext uri="{FF2B5EF4-FFF2-40B4-BE49-F238E27FC236}">
+                <a16:creationId xmlns:a16="http://schemas.microsoft.com/office/drawing/2014/main" id="{7A69A4DA-44A4-4877-ABBF-B97F64F48396}"/>
+              </a:ext>
+            </a:extLst>
+          </p:cNvPr>
+          <p:cNvCxnSpPr>
+            <a:cxnSpLocks/>
+          </p:cNvCxnSpPr>
+          <p:nvPr/>
+        </p:nvCxnSpPr>
+        <p:spPr>
+          <a:xfrm flipH="1">
+            <a:off x="7035574" y="2677637"/>
+            <a:ext cx="2394891" cy="0"/>
+          </a:xfrm>
+          <a:prstGeom prst="line">
+            <a:avLst/>
+          </a:prstGeom>
+          <a:ln w="57150">
+            <a:solidFill>
+              <a:schemeClr val="tx1">
+                <a:lumMod val="95000"/>
+                <a:lumOff val="5000"/>
+              </a:schemeClr>
+            </a:solidFill>
+          </a:ln>
+        </p:spPr>
+        <p:style>
+          <a:lnRef idx="1">
+            <a:schemeClr val="accent1"/>
+          </a:lnRef>
+          <a:fillRef idx="0">
+            <a:schemeClr val="accent1"/>
+          </a:fillRef>
+          <a:effectRef idx="0">
+            <a:schemeClr val="accent1"/>
+          </a:effectRef>
+          <a:fontRef idx="minor">
+            <a:schemeClr val="tx1"/>
+          </a:fontRef>
+        </p:style>
+      </p:cxnSp>
+      <p:cxnSp>
+        <p:nvCxnSpPr>
+          <p:cNvPr id="80" name="直線矢印コネクタ 79">
+            <a:extLst>
+              <a:ext uri="{FF2B5EF4-FFF2-40B4-BE49-F238E27FC236}">
+                <a16:creationId xmlns:a16="http://schemas.microsoft.com/office/drawing/2014/main" id="{E0A7350C-5E52-4BAE-8BD1-44F58B172D0C}"/>
+              </a:ext>
+            </a:extLst>
+          </p:cNvPr>
+          <p:cNvCxnSpPr>
+            <a:cxnSpLocks/>
+          </p:cNvCxnSpPr>
+          <p:nvPr/>
+        </p:nvCxnSpPr>
+        <p:spPr>
+          <a:xfrm>
+            <a:off x="2875175" y="1697992"/>
+            <a:ext cx="795860" cy="576037"/>
+          </a:xfrm>
+          <a:prstGeom prst="straightConnector1">
+            <a:avLst/>
+          </a:prstGeom>
+          <a:ln w="38100">
+            <a:solidFill>
+              <a:srgbClr val="FF0000"/>
+            </a:solidFill>
+            <a:tailEnd type="triangle"/>
+          </a:ln>
+        </p:spPr>
+        <p:style>
+          <a:lnRef idx="3">
+            <a:schemeClr val="dk1"/>
+          </a:lnRef>
+          <a:fillRef idx="0">
+            <a:schemeClr val="dk1"/>
+          </a:fillRef>
+          <a:effectRef idx="2">
+            <a:schemeClr val="dk1"/>
+          </a:effectRef>
+          <a:fontRef idx="minor">
+            <a:schemeClr val="tx1"/>
+          </a:fontRef>
+        </p:style>
+      </p:cxnSp>
+      <p:sp>
+        <p:nvSpPr>
+          <p:cNvPr id="81" name="テキスト ボックス 80">
+            <a:extLst>
+              <a:ext uri="{FF2B5EF4-FFF2-40B4-BE49-F238E27FC236}">
+                <a16:creationId xmlns:a16="http://schemas.microsoft.com/office/drawing/2014/main" id="{E1B87A44-4CF4-4788-A87E-A0BD24095549}"/>
+              </a:ext>
+            </a:extLst>
+          </p:cNvPr>
+          <p:cNvSpPr txBox="1"/>
+          <p:nvPr/>
+        </p:nvSpPr>
+        <p:spPr>
+          <a:xfrm>
+            <a:off x="1857771" y="1187220"/>
+            <a:ext cx="1415772" cy="461665"/>
+          </a:xfrm>
+          <a:prstGeom prst="rect">
+            <a:avLst/>
+          </a:prstGeom>
+          <a:noFill/>
+        </p:spPr>
+        <p:txBody>
+          <a:bodyPr wrap="none" rtlCol="0">
+            <a:spAutoFit/>
+          </a:bodyPr>
+          <a:lstStyle/>
+          <a:p>
+            <a:r>
+              <a:rPr lang="ja-JP" altLang="en-US" sz="2400" b="1" dirty="0">
+                <a:solidFill>
+                  <a:srgbClr val="FF0000"/>
+                </a:solidFill>
+                <a:latin typeface="Georgia" panose="02040502050405020303" pitchFamily="18" charset="0"/>
+              </a:rPr>
+              <a:t>刻印：小</a:t>
+            </a:r>
+            <a:endParaRPr kumimoji="1" lang="ja-JP" altLang="en-US" sz="2400" b="1" dirty="0">
+              <a:solidFill>
+                <a:srgbClr val="FF0000"/>
+              </a:solidFill>
+              <a:latin typeface="Georgia" panose="02040502050405020303" pitchFamily="18" charset="0"/>
+            </a:endParaRPr>
+          </a:p>
+        </p:txBody>
+      </p:sp>
+      <p:cxnSp>
+        <p:nvCxnSpPr>
+          <p:cNvPr id="82" name="直線矢印コネクタ 81">
+            <a:extLst>
+              <a:ext uri="{FF2B5EF4-FFF2-40B4-BE49-F238E27FC236}">
+                <a16:creationId xmlns:a16="http://schemas.microsoft.com/office/drawing/2014/main" id="{24AA3A9B-D602-4CF5-B2AC-D8DB07FB3ADB}"/>
+              </a:ext>
+            </a:extLst>
+          </p:cNvPr>
+          <p:cNvCxnSpPr>
+            <a:cxnSpLocks/>
+          </p:cNvCxnSpPr>
+          <p:nvPr/>
+        </p:nvCxnSpPr>
+        <p:spPr>
+          <a:xfrm>
+            <a:off x="2731905" y="1697992"/>
+            <a:ext cx="1047283" cy="1138068"/>
+          </a:xfrm>
+          <a:prstGeom prst="straightConnector1">
+            <a:avLst/>
+          </a:prstGeom>
+          <a:ln w="38100">
+            <a:solidFill>
+              <a:srgbClr val="FF0000"/>
+            </a:solidFill>
+            <a:tailEnd type="triangle"/>
+          </a:ln>
+        </p:spPr>
+        <p:style>
+          <a:lnRef idx="3">
+            <a:schemeClr val="dk1"/>
+          </a:lnRef>
+          <a:fillRef idx="0">
+            <a:schemeClr val="dk1"/>
+          </a:fillRef>
+          <a:effectRef idx="2">
+            <a:schemeClr val="dk1"/>
+          </a:effectRef>
+          <a:fontRef idx="minor">
+            <a:schemeClr val="tx1"/>
+          </a:fontRef>
+        </p:style>
+      </p:cxnSp>
+      <p:sp>
+        <p:nvSpPr>
+          <p:cNvPr id="21" name="テキスト ボックス 20">
+            <a:extLst>
+              <a:ext uri="{FF2B5EF4-FFF2-40B4-BE49-F238E27FC236}">
+                <a16:creationId xmlns:a16="http://schemas.microsoft.com/office/drawing/2014/main" id="{61129716-19F0-4840-812D-5446D0FD4D29}"/>
+              </a:ext>
+            </a:extLst>
+          </p:cNvPr>
+          <p:cNvSpPr txBox="1"/>
+          <p:nvPr/>
+        </p:nvSpPr>
+        <p:spPr>
+          <a:xfrm>
+            <a:off x="4358038" y="1178462"/>
+            <a:ext cx="1415772" cy="461665"/>
+          </a:xfrm>
+          <a:prstGeom prst="rect">
+            <a:avLst/>
+          </a:prstGeom>
+          <a:noFill/>
+        </p:spPr>
+        <p:txBody>
+          <a:bodyPr wrap="none" rtlCol="0">
+            <a:spAutoFit/>
+          </a:bodyPr>
+          <a:lstStyle/>
+          <a:p>
+            <a:r>
+              <a:rPr lang="ja-JP" altLang="en-US" sz="2400" b="1" dirty="0">
+                <a:solidFill>
+                  <a:srgbClr val="FF0000"/>
+                </a:solidFill>
+                <a:latin typeface="Georgia" panose="02040502050405020303" pitchFamily="18" charset="0"/>
+              </a:rPr>
+              <a:t>刻印：○</a:t>
+            </a:r>
+            <a:endParaRPr kumimoji="1" lang="ja-JP" altLang="en-US" sz="2400" b="1" dirty="0">
+              <a:solidFill>
+                <a:srgbClr val="FF0000"/>
+              </a:solidFill>
+              <a:latin typeface="Georgia" panose="02040502050405020303" pitchFamily="18" charset="0"/>
+            </a:endParaRPr>
+          </a:p>
+        </p:txBody>
+      </p:sp>
+      <p:cxnSp>
+        <p:nvCxnSpPr>
+          <p:cNvPr id="84" name="直線矢印コネクタ 83">
+            <a:extLst>
+              <a:ext uri="{FF2B5EF4-FFF2-40B4-BE49-F238E27FC236}">
+                <a16:creationId xmlns:a16="http://schemas.microsoft.com/office/drawing/2014/main" id="{740D135E-F857-4318-A82D-32314D01D04A}"/>
+              </a:ext>
+            </a:extLst>
+          </p:cNvPr>
+          <p:cNvCxnSpPr>
+            <a:cxnSpLocks/>
+          </p:cNvCxnSpPr>
+          <p:nvPr/>
+        </p:nvCxnSpPr>
+        <p:spPr>
+          <a:xfrm flipH="1">
+            <a:off x="4354084" y="1662751"/>
+            <a:ext cx="556970" cy="913448"/>
+          </a:xfrm>
+          <a:prstGeom prst="straightConnector1">
+            <a:avLst/>
+          </a:prstGeom>
+          <a:ln w="38100">
+            <a:solidFill>
+              <a:srgbClr val="FF0000"/>
+            </a:solidFill>
+            <a:tailEnd type="triangle"/>
+          </a:ln>
+        </p:spPr>
+        <p:style>
+          <a:lnRef idx="3">
+            <a:schemeClr val="dk1"/>
+          </a:lnRef>
+          <a:fillRef idx="0">
+            <a:schemeClr val="dk1"/>
+          </a:fillRef>
+          <a:effectRef idx="2">
+            <a:schemeClr val="dk1"/>
+          </a:effectRef>
+          <a:fontRef idx="minor">
+            <a:schemeClr val="tx1"/>
+          </a:fontRef>
+        </p:style>
+      </p:cxnSp>
+      <p:sp>
+        <p:nvSpPr>
+          <p:cNvPr id="85" name="テキスト ボックス 84">
+            <a:extLst>
+              <a:ext uri="{FF2B5EF4-FFF2-40B4-BE49-F238E27FC236}">
+                <a16:creationId xmlns:a16="http://schemas.microsoft.com/office/drawing/2014/main" id="{CB64EF68-3A4F-4DB6-955E-33705F77AB85}"/>
+              </a:ext>
+            </a:extLst>
+          </p:cNvPr>
+          <p:cNvSpPr txBox="1"/>
+          <p:nvPr/>
+        </p:nvSpPr>
+        <p:spPr>
+          <a:xfrm>
+            <a:off x="7386432" y="3607357"/>
+            <a:ext cx="2031325" cy="461665"/>
+          </a:xfrm>
+          <a:prstGeom prst="rect">
+            <a:avLst/>
+          </a:prstGeom>
+          <a:noFill/>
+        </p:spPr>
+        <p:txBody>
+          <a:bodyPr wrap="none" rtlCol="0">
+            <a:spAutoFit/>
+          </a:bodyPr>
+          <a:lstStyle/>
+          <a:p>
+            <a:r>
+              <a:rPr lang="ja-JP" altLang="en-US" sz="2400" b="1" dirty="0">
+                <a:solidFill>
+                  <a:srgbClr val="FF0000"/>
+                </a:solidFill>
+                <a:latin typeface="Georgia" panose="02040502050405020303" pitchFamily="18" charset="0"/>
+              </a:rPr>
+              <a:t>コネクタ：３</a:t>
+            </a:r>
+            <a:endParaRPr kumimoji="1" lang="ja-JP" altLang="en-US" sz="2400" b="1" dirty="0">
+              <a:solidFill>
+                <a:srgbClr val="FF0000"/>
+              </a:solidFill>
+              <a:latin typeface="Georgia" panose="02040502050405020303" pitchFamily="18" charset="0"/>
+            </a:endParaRPr>
+          </a:p>
+        </p:txBody>
+      </p:sp>
+      <p:cxnSp>
+        <p:nvCxnSpPr>
+          <p:cNvPr id="86" name="直線矢印コネクタ 85">
+            <a:extLst>
+              <a:ext uri="{FF2B5EF4-FFF2-40B4-BE49-F238E27FC236}">
+                <a16:creationId xmlns:a16="http://schemas.microsoft.com/office/drawing/2014/main" id="{6A388F9F-3A5B-4105-92A5-1590364F26EF}"/>
+              </a:ext>
+            </a:extLst>
+          </p:cNvPr>
+          <p:cNvCxnSpPr>
+            <a:cxnSpLocks/>
+          </p:cNvCxnSpPr>
+          <p:nvPr/>
+        </p:nvCxnSpPr>
+        <p:spPr>
+          <a:xfrm flipH="1" flipV="1">
+            <a:off x="7069672" y="2789054"/>
+            <a:ext cx="622793" cy="732047"/>
+          </a:xfrm>
+          <a:prstGeom prst="straightConnector1">
+            <a:avLst/>
+          </a:prstGeom>
+          <a:ln w="38100">
+            <a:solidFill>
+              <a:srgbClr val="FF0000"/>
+            </a:solidFill>
+            <a:tailEnd type="triangle"/>
+          </a:ln>
+        </p:spPr>
+        <p:style>
+          <a:lnRef idx="3">
+            <a:schemeClr val="dk1"/>
+          </a:lnRef>
+          <a:fillRef idx="0">
+            <a:schemeClr val="dk1"/>
+          </a:fillRef>
+          <a:effectRef idx="2">
+            <a:schemeClr val="dk1"/>
+          </a:effectRef>
+          <a:fontRef idx="minor">
+            <a:schemeClr val="tx1"/>
+          </a:fontRef>
+        </p:style>
+      </p:cxnSp>
+      <p:cxnSp>
+        <p:nvCxnSpPr>
+          <p:cNvPr id="87" name="直線矢印コネクタ 86">
+            <a:extLst>
+              <a:ext uri="{FF2B5EF4-FFF2-40B4-BE49-F238E27FC236}">
+                <a16:creationId xmlns:a16="http://schemas.microsoft.com/office/drawing/2014/main" id="{C296DA1A-61DA-494A-9F7B-9D511CC1B587}"/>
+              </a:ext>
+            </a:extLst>
+          </p:cNvPr>
+          <p:cNvCxnSpPr>
+            <a:cxnSpLocks/>
+          </p:cNvCxnSpPr>
+          <p:nvPr/>
+        </p:nvCxnSpPr>
+        <p:spPr>
+          <a:xfrm flipH="1" flipV="1">
+            <a:off x="6614326" y="2967194"/>
+            <a:ext cx="934763" cy="640162"/>
+          </a:xfrm>
+          <a:prstGeom prst="straightConnector1">
+            <a:avLst/>
+          </a:prstGeom>
+          <a:ln w="38100">
+            <a:solidFill>
+              <a:srgbClr val="FF0000"/>
+            </a:solidFill>
+            <a:tailEnd type="triangle"/>
+          </a:ln>
+        </p:spPr>
+        <p:style>
+          <a:lnRef idx="3">
+            <a:schemeClr val="dk1"/>
+          </a:lnRef>
+          <a:fillRef idx="0">
+            <a:schemeClr val="dk1"/>
+          </a:fillRef>
+          <a:effectRef idx="2">
+            <a:schemeClr val="dk1"/>
+          </a:effectRef>
+          <a:fontRef idx="minor">
+            <a:schemeClr val="tx1"/>
+          </a:fontRef>
+        </p:style>
+      </p:cxnSp>
+      <p:sp>
+        <p:nvSpPr>
+          <p:cNvPr id="32" name="テキスト ボックス 31">
+            <a:extLst>
+              <a:ext uri="{FF2B5EF4-FFF2-40B4-BE49-F238E27FC236}">
+                <a16:creationId xmlns:a16="http://schemas.microsoft.com/office/drawing/2014/main" id="{DE45280A-EF7B-408C-8B41-F18B85753845}"/>
+              </a:ext>
+            </a:extLst>
+          </p:cNvPr>
+          <p:cNvSpPr txBox="1"/>
+          <p:nvPr/>
+        </p:nvSpPr>
+        <p:spPr>
+          <a:xfrm>
+            <a:off x="7399140" y="1468339"/>
+            <a:ext cx="2031325" cy="461665"/>
+          </a:xfrm>
+          <a:prstGeom prst="rect">
+            <a:avLst/>
+          </a:prstGeom>
+          <a:noFill/>
+        </p:spPr>
+        <p:txBody>
+          <a:bodyPr wrap="none" rtlCol="0">
+            <a:spAutoFit/>
+          </a:bodyPr>
+          <a:lstStyle/>
+          <a:p>
+            <a:r>
+              <a:rPr lang="ja-JP" altLang="en-US" sz="2400" b="1" dirty="0">
+                <a:solidFill>
+                  <a:srgbClr val="FF0000"/>
+                </a:solidFill>
+                <a:latin typeface="Georgia" panose="02040502050405020303" pitchFamily="18" charset="0"/>
+              </a:rPr>
+              <a:t>コネクタ：４</a:t>
+            </a:r>
+            <a:endParaRPr kumimoji="1" lang="ja-JP" altLang="en-US" sz="2400" b="1" dirty="0">
+              <a:solidFill>
+                <a:srgbClr val="FF0000"/>
+              </a:solidFill>
+              <a:latin typeface="Georgia" panose="02040502050405020303" pitchFamily="18" charset="0"/>
+            </a:endParaRPr>
+          </a:p>
+        </p:txBody>
+      </p:sp>
+      <p:cxnSp>
+        <p:nvCxnSpPr>
+          <p:cNvPr id="89" name="直線矢印コネクタ 88">
+            <a:extLst>
+              <a:ext uri="{FF2B5EF4-FFF2-40B4-BE49-F238E27FC236}">
+                <a16:creationId xmlns:a16="http://schemas.microsoft.com/office/drawing/2014/main" id="{4763FC06-C134-4086-8ECA-AD6A15681070}"/>
+              </a:ext>
+            </a:extLst>
+          </p:cNvPr>
+          <p:cNvCxnSpPr>
+            <a:cxnSpLocks/>
+          </p:cNvCxnSpPr>
+          <p:nvPr/>
+        </p:nvCxnSpPr>
+        <p:spPr>
+          <a:xfrm flipH="1">
+            <a:off x="7392831" y="1896822"/>
+            <a:ext cx="620313" cy="411803"/>
+          </a:xfrm>
+          <a:prstGeom prst="straightConnector1">
+            <a:avLst/>
+          </a:prstGeom>
+          <a:ln w="38100">
+            <a:solidFill>
+              <a:srgbClr val="FF0000"/>
+            </a:solidFill>
+            <a:tailEnd type="triangle"/>
+          </a:ln>
+        </p:spPr>
+        <p:style>
+          <a:lnRef idx="3">
+            <a:schemeClr val="dk1"/>
+          </a:lnRef>
+          <a:fillRef idx="0">
+            <a:schemeClr val="dk1"/>
+          </a:fillRef>
+          <a:effectRef idx="2">
+            <a:schemeClr val="dk1"/>
+          </a:effectRef>
+          <a:fontRef idx="minor">
+            <a:schemeClr val="tx1"/>
+          </a:fontRef>
+        </p:style>
+      </p:cxnSp>
+      <p:sp>
+        <p:nvSpPr>
+          <p:cNvPr id="83" name="テキスト ボックス 82">
+            <a:extLst>
+              <a:ext uri="{FF2B5EF4-FFF2-40B4-BE49-F238E27FC236}">
+                <a16:creationId xmlns:a16="http://schemas.microsoft.com/office/drawing/2014/main" id="{B0B3CDD7-E9F1-40C7-BBB9-A52759300C79}"/>
+              </a:ext>
+            </a:extLst>
+          </p:cNvPr>
+          <p:cNvSpPr txBox="1"/>
+          <p:nvPr/>
+        </p:nvSpPr>
+        <p:spPr>
+          <a:xfrm>
+            <a:off x="1265419" y="3124033"/>
+            <a:ext cx="2020105" cy="830997"/>
+          </a:xfrm>
+          <a:prstGeom prst="rect">
+            <a:avLst/>
+          </a:prstGeom>
+          <a:noFill/>
+        </p:spPr>
+        <p:txBody>
+          <a:bodyPr wrap="none" rtlCol="0">
+            <a:spAutoFit/>
+          </a:bodyPr>
+          <a:lstStyle/>
+          <a:p>
+            <a:r>
+              <a:rPr kumimoji="1" lang="en-US" altLang="ja-JP" sz="2400" b="1" dirty="0">
+                <a:solidFill>
+                  <a:schemeClr val="accent6">
+                    <a:lumMod val="60000"/>
+                    <a:lumOff val="40000"/>
+                  </a:schemeClr>
+                </a:solidFill>
+                <a:latin typeface="+mn-ea"/>
+              </a:rPr>
+              <a:t>150+100</a:t>
+            </a:r>
+          </a:p>
+          <a:p>
+            <a:r>
+              <a:rPr lang="en-US" altLang="ja-JP" sz="2400" b="1" dirty="0">
+                <a:solidFill>
+                  <a:schemeClr val="accent6">
+                    <a:lumMod val="60000"/>
+                    <a:lumOff val="40000"/>
+                  </a:schemeClr>
+                </a:solidFill>
+                <a:latin typeface="+mn-ea"/>
+              </a:rPr>
+              <a:t>(VVF2.0-2C)</a:t>
+            </a:r>
+            <a:endParaRPr kumimoji="1" lang="ja-JP" altLang="en-US" sz="2400" b="1" dirty="0">
+              <a:solidFill>
+                <a:schemeClr val="accent6">
+                  <a:lumMod val="60000"/>
+                  <a:lumOff val="40000"/>
+                </a:schemeClr>
+              </a:solidFill>
+              <a:latin typeface="+mn-ea"/>
+            </a:endParaRPr>
+          </a:p>
+        </p:txBody>
+      </p:sp>
+      <p:sp>
+        <p:nvSpPr>
+          <p:cNvPr id="88" name="テキスト ボックス 87">
+            <a:extLst>
+              <a:ext uri="{FF2B5EF4-FFF2-40B4-BE49-F238E27FC236}">
+                <a16:creationId xmlns:a16="http://schemas.microsoft.com/office/drawing/2014/main" id="{0955F6A3-A818-420B-9EE3-A653DA3CD361}"/>
+              </a:ext>
+            </a:extLst>
+          </p:cNvPr>
+          <p:cNvSpPr txBox="1"/>
+          <p:nvPr/>
+        </p:nvSpPr>
+        <p:spPr>
+          <a:xfrm>
+            <a:off x="1801405" y="869968"/>
+            <a:ext cx="2053767" cy="461665"/>
+          </a:xfrm>
+          <a:prstGeom prst="rect">
+            <a:avLst/>
+          </a:prstGeom>
+          <a:noFill/>
+        </p:spPr>
+        <p:txBody>
+          <a:bodyPr wrap="none" rtlCol="0">
+            <a:spAutoFit/>
+          </a:bodyPr>
+          <a:lstStyle/>
+          <a:p>
+            <a:r>
+              <a:rPr kumimoji="1" lang="en-US" altLang="ja-JP" sz="2400" b="1" dirty="0">
+                <a:solidFill>
+                  <a:schemeClr val="accent6">
+                    <a:lumMod val="60000"/>
+                    <a:lumOff val="40000"/>
+                  </a:schemeClr>
+                </a:solidFill>
+                <a:latin typeface="+mn-ea"/>
+              </a:rPr>
+              <a:t>50+150+100</a:t>
+            </a:r>
+            <a:endParaRPr kumimoji="1" lang="ja-JP" altLang="en-US" sz="2400" b="1" dirty="0">
+              <a:solidFill>
+                <a:schemeClr val="accent6">
+                  <a:lumMod val="60000"/>
+                  <a:lumOff val="40000"/>
+                </a:schemeClr>
+              </a:solidFill>
+              <a:latin typeface="+mn-ea"/>
+            </a:endParaRPr>
+          </a:p>
+        </p:txBody>
+      </p:sp>
+      <p:sp>
+        <p:nvSpPr>
+          <p:cNvPr id="90" name="テキスト ボックス 89">
+            <a:extLst>
+              <a:ext uri="{FF2B5EF4-FFF2-40B4-BE49-F238E27FC236}">
+                <a16:creationId xmlns:a16="http://schemas.microsoft.com/office/drawing/2014/main" id="{653E8E45-0102-4D24-897D-62855E75B163}"/>
+              </a:ext>
+            </a:extLst>
+          </p:cNvPr>
+          <p:cNvSpPr txBox="1"/>
+          <p:nvPr/>
+        </p:nvSpPr>
+        <p:spPr>
+          <a:xfrm>
+            <a:off x="7330017" y="491443"/>
+            <a:ext cx="2230098" cy="461665"/>
+          </a:xfrm>
+          <a:prstGeom prst="rect">
+            <a:avLst/>
+          </a:prstGeom>
+          <a:noFill/>
+        </p:spPr>
+        <p:txBody>
+          <a:bodyPr wrap="none" rtlCol="0">
+            <a:spAutoFit/>
+          </a:bodyPr>
+          <a:lstStyle/>
+          <a:p>
+            <a:r>
+              <a:rPr lang="en-US" altLang="ja-JP" sz="2400" b="1" dirty="0">
+                <a:solidFill>
+                  <a:schemeClr val="accent6">
+                    <a:lumMod val="60000"/>
+                    <a:lumOff val="40000"/>
+                  </a:schemeClr>
+                </a:solidFill>
+                <a:latin typeface="+mn-ea"/>
+              </a:rPr>
+              <a:t>10</a:t>
+            </a:r>
+            <a:r>
+              <a:rPr kumimoji="1" lang="en-US" altLang="ja-JP" sz="2400" b="1" dirty="0">
+                <a:solidFill>
+                  <a:schemeClr val="accent6">
+                    <a:lumMod val="60000"/>
+                    <a:lumOff val="40000"/>
+                  </a:schemeClr>
+                </a:solidFill>
+                <a:latin typeface="+mn-ea"/>
+              </a:rPr>
+              <a:t>0+150+100</a:t>
+            </a:r>
+            <a:endParaRPr kumimoji="1" lang="ja-JP" altLang="en-US" sz="2400" b="1" dirty="0">
+              <a:solidFill>
+                <a:schemeClr val="accent6">
+                  <a:lumMod val="60000"/>
+                  <a:lumOff val="40000"/>
+                </a:schemeClr>
+              </a:solidFill>
+              <a:latin typeface="+mn-ea"/>
+            </a:endParaRPr>
+          </a:p>
+        </p:txBody>
+      </p:sp>
+      <p:sp>
+        <p:nvSpPr>
+          <p:cNvPr id="91" name="テキスト ボックス 90">
+            <a:extLst>
+              <a:ext uri="{FF2B5EF4-FFF2-40B4-BE49-F238E27FC236}">
+                <a16:creationId xmlns:a16="http://schemas.microsoft.com/office/drawing/2014/main" id="{2BE7726B-3E7C-44C9-B495-A08F7E2CB6E8}"/>
+              </a:ext>
+            </a:extLst>
+          </p:cNvPr>
+          <p:cNvSpPr txBox="1"/>
+          <p:nvPr/>
+        </p:nvSpPr>
+        <p:spPr>
+          <a:xfrm>
+            <a:off x="7856376" y="2866402"/>
+            <a:ext cx="1471878" cy="461665"/>
+          </a:xfrm>
+          <a:prstGeom prst="rect">
+            <a:avLst/>
+          </a:prstGeom>
+          <a:noFill/>
+        </p:spPr>
+        <p:txBody>
+          <a:bodyPr wrap="none" rtlCol="0">
+            <a:spAutoFit/>
+          </a:bodyPr>
+          <a:lstStyle/>
+          <a:p>
+            <a:r>
+              <a:rPr lang="en-US" altLang="ja-JP" sz="2400" b="1" dirty="0">
+                <a:solidFill>
+                  <a:schemeClr val="accent6">
+                    <a:lumMod val="60000"/>
+                    <a:lumOff val="40000"/>
+                  </a:schemeClr>
+                </a:solidFill>
+                <a:latin typeface="+mn-ea"/>
+              </a:rPr>
+              <a:t>10</a:t>
+            </a:r>
+            <a:r>
+              <a:rPr kumimoji="1" lang="en-US" altLang="ja-JP" sz="2400" b="1" dirty="0">
+                <a:solidFill>
+                  <a:schemeClr val="accent6">
+                    <a:lumMod val="60000"/>
+                    <a:lumOff val="40000"/>
+                  </a:schemeClr>
+                </a:solidFill>
+                <a:latin typeface="+mn-ea"/>
+              </a:rPr>
+              <a:t>0+150</a:t>
+            </a:r>
+            <a:endParaRPr kumimoji="1" lang="ja-JP" altLang="en-US" sz="2400" b="1" dirty="0">
+              <a:solidFill>
+                <a:schemeClr val="accent6">
+                  <a:lumMod val="60000"/>
+                  <a:lumOff val="40000"/>
+                </a:schemeClr>
+              </a:solidFill>
+              <a:latin typeface="+mn-ea"/>
+            </a:endParaRPr>
+          </a:p>
+        </p:txBody>
+      </p:sp>
+      <p:cxnSp>
+        <p:nvCxnSpPr>
+          <p:cNvPr id="11" name="直線コネクタ 10">
+            <a:extLst>
+              <a:ext uri="{FF2B5EF4-FFF2-40B4-BE49-F238E27FC236}">
+                <a16:creationId xmlns:a16="http://schemas.microsoft.com/office/drawing/2014/main" id="{AB6C0E78-D8F0-4E25-8765-411F1AE5A03F}"/>
+              </a:ext>
+            </a:extLst>
+          </p:cNvPr>
+          <p:cNvCxnSpPr/>
+          <p:nvPr/>
+        </p:nvCxnSpPr>
+        <p:spPr>
+          <a:xfrm>
+            <a:off x="9396173" y="1409294"/>
+            <a:ext cx="19389" cy="2186321"/>
+          </a:xfrm>
+          <a:prstGeom prst="line">
+            <a:avLst/>
+          </a:prstGeom>
+          <a:ln w="38100">
+            <a:solidFill>
+              <a:schemeClr val="bg2">
+                <a:lumMod val="25000"/>
+              </a:schemeClr>
+            </a:solidFill>
+            <a:prstDash val="sysDot"/>
+          </a:ln>
+        </p:spPr>
+        <p:style>
+          <a:lnRef idx="1">
+            <a:schemeClr val="accent1"/>
+          </a:lnRef>
+          <a:fillRef idx="0">
+            <a:schemeClr val="accent1"/>
+          </a:fillRef>
+          <a:effectRef idx="0">
+            <a:schemeClr val="accent1"/>
+          </a:effectRef>
+          <a:fontRef idx="minor">
+            <a:schemeClr val="tx1"/>
+          </a:fontRef>
+        </p:style>
+      </p:cxnSp>
+      <p:sp>
+        <p:nvSpPr>
+          <p:cNvPr id="92" name="テキスト ボックス 91">
+            <a:extLst>
+              <a:ext uri="{FF2B5EF4-FFF2-40B4-BE49-F238E27FC236}">
+                <a16:creationId xmlns:a16="http://schemas.microsoft.com/office/drawing/2014/main" id="{0CFA1415-77C7-4222-8AD2-732A1C44EEC9}"/>
+              </a:ext>
+            </a:extLst>
+          </p:cNvPr>
+          <p:cNvSpPr txBox="1"/>
+          <p:nvPr/>
+        </p:nvSpPr>
+        <p:spPr>
+          <a:xfrm>
+            <a:off x="4087992" y="3019026"/>
+            <a:ext cx="2230098" cy="461665"/>
+          </a:xfrm>
+          <a:prstGeom prst="rect">
+            <a:avLst/>
+          </a:prstGeom>
+          <a:noFill/>
+        </p:spPr>
+        <p:txBody>
+          <a:bodyPr wrap="none" rtlCol="0">
+            <a:spAutoFit/>
+          </a:bodyPr>
+          <a:lstStyle/>
+          <a:p>
+            <a:r>
+              <a:rPr lang="en-US" altLang="ja-JP" sz="2400" b="1" dirty="0">
+                <a:solidFill>
+                  <a:schemeClr val="accent6">
+                    <a:lumMod val="60000"/>
+                    <a:lumOff val="40000"/>
+                  </a:schemeClr>
+                </a:solidFill>
+                <a:latin typeface="+mn-ea"/>
+              </a:rPr>
+              <a:t>10</a:t>
+            </a:r>
+            <a:r>
+              <a:rPr kumimoji="1" lang="en-US" altLang="ja-JP" sz="2400" b="1" dirty="0">
+                <a:solidFill>
+                  <a:schemeClr val="accent6">
+                    <a:lumMod val="60000"/>
+                    <a:lumOff val="40000"/>
+                  </a:schemeClr>
+                </a:solidFill>
+                <a:latin typeface="+mn-ea"/>
+              </a:rPr>
+              <a:t>0+150+100</a:t>
+            </a:r>
+            <a:endParaRPr kumimoji="1" lang="ja-JP" altLang="en-US" sz="2400" b="1" dirty="0">
+              <a:solidFill>
+                <a:schemeClr val="accent6">
+                  <a:lumMod val="60000"/>
+                  <a:lumOff val="40000"/>
+                </a:schemeClr>
+              </a:solidFill>
+              <a:latin typeface="+mn-ea"/>
+            </a:endParaRPr>
+          </a:p>
+        </p:txBody>
+      </p:sp>
+      <p:sp>
+        <p:nvSpPr>
+          <p:cNvPr id="93" name="テキスト ボックス 92">
+            <a:extLst>
+              <a:ext uri="{FF2B5EF4-FFF2-40B4-BE49-F238E27FC236}">
+                <a16:creationId xmlns:a16="http://schemas.microsoft.com/office/drawing/2014/main" id="{46EC4D24-8E5E-4EB3-BF30-6F51FCC42847}"/>
+              </a:ext>
+            </a:extLst>
+          </p:cNvPr>
+          <p:cNvSpPr txBox="1"/>
+          <p:nvPr/>
+        </p:nvSpPr>
+        <p:spPr>
+          <a:xfrm>
+            <a:off x="7236246" y="4216155"/>
+            <a:ext cx="2230098" cy="461665"/>
+          </a:xfrm>
+          <a:prstGeom prst="rect">
+            <a:avLst/>
+          </a:prstGeom>
+          <a:noFill/>
+        </p:spPr>
+        <p:txBody>
+          <a:bodyPr wrap="none" rtlCol="0">
+            <a:spAutoFit/>
+          </a:bodyPr>
+          <a:lstStyle/>
+          <a:p>
+            <a:r>
+              <a:rPr lang="en-US" altLang="ja-JP" sz="2400" b="1" dirty="0">
+                <a:solidFill>
+                  <a:schemeClr val="accent6">
+                    <a:lumMod val="60000"/>
+                    <a:lumOff val="40000"/>
+                  </a:schemeClr>
+                </a:solidFill>
+                <a:latin typeface="+mn-ea"/>
+              </a:rPr>
+              <a:t>10</a:t>
+            </a:r>
+            <a:r>
+              <a:rPr kumimoji="1" lang="en-US" altLang="ja-JP" sz="2400" b="1" dirty="0">
+                <a:solidFill>
+                  <a:schemeClr val="accent6">
+                    <a:lumMod val="60000"/>
+                    <a:lumOff val="40000"/>
+                  </a:schemeClr>
+                </a:solidFill>
+                <a:latin typeface="+mn-ea"/>
+              </a:rPr>
+              <a:t>0+150+100</a:t>
+            </a:r>
+            <a:endParaRPr kumimoji="1" lang="ja-JP" altLang="en-US" sz="2400" b="1" dirty="0">
+              <a:solidFill>
+                <a:schemeClr val="accent6">
+                  <a:lumMod val="60000"/>
+                  <a:lumOff val="40000"/>
+                </a:schemeClr>
+              </a:solidFill>
+              <a:latin typeface="+mn-ea"/>
+            </a:endParaRPr>
+          </a:p>
+        </p:txBody>
+      </p:sp>
+      <p:sp>
+        <p:nvSpPr>
+          <p:cNvPr id="94" name="テキスト ボックス 93">
+            <a:extLst>
+              <a:ext uri="{FF2B5EF4-FFF2-40B4-BE49-F238E27FC236}">
+                <a16:creationId xmlns:a16="http://schemas.microsoft.com/office/drawing/2014/main" id="{E4CF3BF1-A7D3-46B7-A644-2DB0B9130D1A}"/>
+              </a:ext>
+            </a:extLst>
+          </p:cNvPr>
+          <p:cNvSpPr txBox="1"/>
+          <p:nvPr/>
+        </p:nvSpPr>
+        <p:spPr>
+          <a:xfrm>
+            <a:off x="4285667" y="6378139"/>
+            <a:ext cx="2230098" cy="461665"/>
+          </a:xfrm>
+          <a:prstGeom prst="rect">
+            <a:avLst/>
+          </a:prstGeom>
+          <a:noFill/>
+        </p:spPr>
+        <p:txBody>
+          <a:bodyPr wrap="none" rtlCol="0">
+            <a:spAutoFit/>
+          </a:bodyPr>
+          <a:lstStyle/>
+          <a:p>
+            <a:r>
+              <a:rPr lang="en-US" altLang="ja-JP" sz="2400" b="1" dirty="0">
+                <a:solidFill>
+                  <a:schemeClr val="accent6">
+                    <a:lumMod val="60000"/>
+                    <a:lumOff val="40000"/>
+                  </a:schemeClr>
+                </a:solidFill>
+                <a:latin typeface="+mn-ea"/>
+              </a:rPr>
+              <a:t>10</a:t>
+            </a:r>
+            <a:r>
+              <a:rPr kumimoji="1" lang="en-US" altLang="ja-JP" sz="2400" b="1" dirty="0">
+                <a:solidFill>
+                  <a:schemeClr val="accent6">
+                    <a:lumMod val="60000"/>
+                    <a:lumOff val="40000"/>
+                  </a:schemeClr>
+                </a:solidFill>
+                <a:latin typeface="+mn-ea"/>
+              </a:rPr>
+              <a:t>0+150+100</a:t>
+            </a:r>
+            <a:endParaRPr kumimoji="1" lang="ja-JP" altLang="en-US" sz="2400" b="1" dirty="0">
+              <a:solidFill>
+                <a:schemeClr val="accent6">
+                  <a:lumMod val="60000"/>
+                  <a:lumOff val="40000"/>
+                </a:schemeClr>
+              </a:solidFill>
+              <a:latin typeface="+mn-ea"/>
+            </a:endParaRPr>
+          </a:p>
+        </p:txBody>
+      </p:sp>
+    </p:spTree>
+    <p:extLst>
+      <p:ext uri="{BB962C8B-B14F-4D97-AF65-F5344CB8AC3E}">
+        <p14:creationId xmlns:p14="http://schemas.microsoft.com/office/powerpoint/2010/main" val="2563017554"/>
       </p:ext>
     </p:extLst>
   </p:cSld>

--- a/algorithm/electricity/03_denki-koujishi/01_kakomon/R1_1/02_jitsugi/q02/a02.pptx
+++ b/algorithm/electricity/03_denki-koujishi/01_kakomon/R1_1/02_jitsugi/q02/a02.pptx
@@ -264,7 +264,7 @@
           <a:p>
             <a:fld id="{EA6D781E-2D27-4EF7-AFED-D0940E0D7738}" type="datetimeFigureOut">
               <a:rPr kumimoji="1" lang="ja-JP" altLang="en-US" smtClean="0"/>
-              <a:t>2020/11/23</a:t>
+              <a:t>2020/11/29</a:t>
             </a:fld>
             <a:endParaRPr kumimoji="1" lang="ja-JP" altLang="en-US"/>
           </a:p>
@@ -494,7 +494,7 @@
           <a:p>
             <a:fld id="{EA6D781E-2D27-4EF7-AFED-D0940E0D7738}" type="datetimeFigureOut">
               <a:rPr kumimoji="1" lang="ja-JP" altLang="en-US" smtClean="0"/>
-              <a:t>2020/11/23</a:t>
+              <a:t>2020/11/29</a:t>
             </a:fld>
             <a:endParaRPr kumimoji="1" lang="ja-JP" altLang="en-US"/>
           </a:p>
@@ -734,7 +734,7 @@
           <a:p>
             <a:fld id="{EA6D781E-2D27-4EF7-AFED-D0940E0D7738}" type="datetimeFigureOut">
               <a:rPr kumimoji="1" lang="ja-JP" altLang="en-US" smtClean="0"/>
-              <a:t>2020/11/23</a:t>
+              <a:t>2020/11/29</a:t>
             </a:fld>
             <a:endParaRPr kumimoji="1" lang="ja-JP" altLang="en-US"/>
           </a:p>
@@ -964,7 +964,7 @@
           <a:p>
             <a:fld id="{EA6D781E-2D27-4EF7-AFED-D0940E0D7738}" type="datetimeFigureOut">
               <a:rPr kumimoji="1" lang="ja-JP" altLang="en-US" smtClean="0"/>
-              <a:t>2020/11/23</a:t>
+              <a:t>2020/11/29</a:t>
             </a:fld>
             <a:endParaRPr kumimoji="1" lang="ja-JP" altLang="en-US"/>
           </a:p>
@@ -1239,7 +1239,7 @@
           <a:p>
             <a:fld id="{EA6D781E-2D27-4EF7-AFED-D0940E0D7738}" type="datetimeFigureOut">
               <a:rPr kumimoji="1" lang="ja-JP" altLang="en-US" smtClean="0"/>
-              <a:t>2020/11/23</a:t>
+              <a:t>2020/11/29</a:t>
             </a:fld>
             <a:endParaRPr kumimoji="1" lang="ja-JP" altLang="en-US"/>
           </a:p>
@@ -1568,7 +1568,7 @@
           <a:p>
             <a:fld id="{EA6D781E-2D27-4EF7-AFED-D0940E0D7738}" type="datetimeFigureOut">
               <a:rPr kumimoji="1" lang="ja-JP" altLang="en-US" smtClean="0"/>
-              <a:t>2020/11/23</a:t>
+              <a:t>2020/11/29</a:t>
             </a:fld>
             <a:endParaRPr kumimoji="1" lang="ja-JP" altLang="en-US"/>
           </a:p>
@@ -2044,7 +2044,7 @@
           <a:p>
             <a:fld id="{EA6D781E-2D27-4EF7-AFED-D0940E0D7738}" type="datetimeFigureOut">
               <a:rPr kumimoji="1" lang="ja-JP" altLang="en-US" smtClean="0"/>
-              <a:t>2020/11/23</a:t>
+              <a:t>2020/11/29</a:t>
             </a:fld>
             <a:endParaRPr kumimoji="1" lang="ja-JP" altLang="en-US"/>
           </a:p>
@@ -2185,7 +2185,7 @@
           <a:p>
             <a:fld id="{EA6D781E-2D27-4EF7-AFED-D0940E0D7738}" type="datetimeFigureOut">
               <a:rPr kumimoji="1" lang="ja-JP" altLang="en-US" smtClean="0"/>
-              <a:t>2020/11/23</a:t>
+              <a:t>2020/11/29</a:t>
             </a:fld>
             <a:endParaRPr kumimoji="1" lang="ja-JP" altLang="en-US"/>
           </a:p>
@@ -2298,7 +2298,7 @@
           <a:p>
             <a:fld id="{EA6D781E-2D27-4EF7-AFED-D0940E0D7738}" type="datetimeFigureOut">
               <a:rPr kumimoji="1" lang="ja-JP" altLang="en-US" smtClean="0"/>
-              <a:t>2020/11/23</a:t>
+              <a:t>2020/11/29</a:t>
             </a:fld>
             <a:endParaRPr kumimoji="1" lang="ja-JP" altLang="en-US"/>
           </a:p>
@@ -2641,7 +2641,7 @@
           <a:p>
             <a:fld id="{EA6D781E-2D27-4EF7-AFED-D0940E0D7738}" type="datetimeFigureOut">
               <a:rPr kumimoji="1" lang="ja-JP" altLang="en-US" smtClean="0"/>
-              <a:t>2020/11/23</a:t>
+              <a:t>2020/11/29</a:t>
             </a:fld>
             <a:endParaRPr kumimoji="1" lang="ja-JP" altLang="en-US"/>
           </a:p>
@@ -2929,7 +2929,7 @@
           <a:p>
             <a:fld id="{EA6D781E-2D27-4EF7-AFED-D0940E0D7738}" type="datetimeFigureOut">
               <a:rPr kumimoji="1" lang="ja-JP" altLang="en-US" smtClean="0"/>
-              <a:t>2020/11/23</a:t>
+              <a:t>2020/11/29</a:t>
             </a:fld>
             <a:endParaRPr kumimoji="1" lang="ja-JP" altLang="en-US"/>
           </a:p>
@@ -3202,7 +3202,7 @@
           <a:p>
             <a:fld id="{EA6D781E-2D27-4EF7-AFED-D0940E0D7738}" type="datetimeFigureOut">
               <a:rPr kumimoji="1" lang="ja-JP" altLang="en-US" smtClean="0"/>
-              <a:t>2020/11/23</a:t>
+              <a:t>2020/11/29</a:t>
             </a:fld>
             <a:endParaRPr kumimoji="1" lang="ja-JP" altLang="en-US"/>
           </a:p>
@@ -18897,7 +18897,7 @@
           <a:lstStyle/>
           <a:p>
             <a:r>
-              <a:rPr lang="en-US" altLang="ja-JP" sz="2400" b="1" dirty="0">
+              <a:rPr lang="en-US" altLang="ja-JP" sz="2400" b="1">
                 <a:solidFill>
                   <a:schemeClr val="accent6">
                     <a:lumMod val="60000"/>
@@ -18909,7 +18909,7 @@
               <a:t>10</a:t>
             </a:r>
             <a:r>
-              <a:rPr kumimoji="1" lang="en-US" altLang="ja-JP" sz="2400" b="1" dirty="0">
+              <a:rPr kumimoji="1" lang="en-US" altLang="ja-JP" sz="2400" b="1">
                 <a:solidFill>
                   <a:schemeClr val="accent6">
                     <a:lumMod val="60000"/>
@@ -18918,7 +18918,7 @@
                 </a:solidFill>
                 <a:latin typeface="+mn-ea"/>
               </a:rPr>
-              <a:t>0+150</a:t>
+              <a:t>0+100</a:t>
             </a:r>
             <a:endParaRPr kumimoji="1" lang="ja-JP" altLang="en-US" sz="2400" b="1" dirty="0">
               <a:solidFill>
